--- a/html_djlee/화면 구현_css선택자를 활용한 BootStrap 활용하기.pptx
+++ b/html_djlee/화면 구현_css선택자를 활용한 BootStrap 활용하기.pptx
@@ -5,29 +5,30 @@
     <p:sldMasterId id="2147483672" r:id="rId1"/>
   </p:sldMasterIdLst>
   <p:notesMasterIdLst>
-    <p:notesMasterId r:id="rId19"/>
+    <p:notesMasterId r:id="rId20"/>
   </p:notesMasterIdLst>
   <p:handoutMasterIdLst>
-    <p:handoutMasterId r:id="rId20"/>
+    <p:handoutMasterId r:id="rId21"/>
   </p:handoutMasterIdLst>
   <p:sldIdLst>
     <p:sldId id="256" r:id="rId2"/>
     <p:sldId id="259" r:id="rId3"/>
     <p:sldId id="258" r:id="rId4"/>
     <p:sldId id="260" r:id="rId5"/>
-    <p:sldId id="261" r:id="rId6"/>
-    <p:sldId id="262" r:id="rId7"/>
-    <p:sldId id="263" r:id="rId8"/>
-    <p:sldId id="264" r:id="rId9"/>
-    <p:sldId id="265" r:id="rId10"/>
-    <p:sldId id="267" r:id="rId11"/>
-    <p:sldId id="266" r:id="rId12"/>
-    <p:sldId id="268" r:id="rId13"/>
-    <p:sldId id="269" r:id="rId14"/>
-    <p:sldId id="270" r:id="rId15"/>
-    <p:sldId id="271" r:id="rId16"/>
-    <p:sldId id="272" r:id="rId17"/>
-    <p:sldId id="273" r:id="rId18"/>
+    <p:sldId id="274" r:id="rId6"/>
+    <p:sldId id="261" r:id="rId7"/>
+    <p:sldId id="262" r:id="rId8"/>
+    <p:sldId id="263" r:id="rId9"/>
+    <p:sldId id="264" r:id="rId10"/>
+    <p:sldId id="265" r:id="rId11"/>
+    <p:sldId id="267" r:id="rId12"/>
+    <p:sldId id="266" r:id="rId13"/>
+    <p:sldId id="268" r:id="rId14"/>
+    <p:sldId id="269" r:id="rId15"/>
+    <p:sldId id="270" r:id="rId16"/>
+    <p:sldId id="271" r:id="rId17"/>
+    <p:sldId id="272" r:id="rId18"/>
+    <p:sldId id="273" r:id="rId19"/>
   </p:sldIdLst>
   <p:sldSz cx="9144000" cy="6858000" type="screen4x3"/>
   <p:notesSz cx="6858000" cy="9144000"/>
@@ -242,7 +243,7 @@
           <a:p>
             <a:fld id="{3DE4AE6D-9178-49FF-BDDC-39F971B4C583}" type="datetimeFigureOut">
               <a:rPr lang="ko-KR" altLang="en-US" smtClean="0"/>
-              <a:t>2021-10-20</a:t>
+              <a:t>2022-09-15</a:t>
             </a:fld>
             <a:endParaRPr lang="ko-KR" altLang="en-US"/>
           </a:p>
@@ -419,7 +420,7 @@
           <a:p>
             <a:fld id="{9A5E5AF2-440E-403F-A94F-915C1D2050B2}" type="datetimeFigureOut">
               <a:rPr lang="ko-KR" altLang="en-US" smtClean="0"/>
-              <a:t>2021-10-20</a:t>
+              <a:t>2022-09-15</a:t>
             </a:fld>
             <a:endParaRPr lang="ko-KR" altLang="en-US"/>
           </a:p>
@@ -880,7 +881,7 @@
           <a:p>
             <a:fld id="{36FDB5DE-AD6D-4FA1-9BD6-1FCA0D10370A}" type="datetimeFigureOut">
               <a:rPr lang="ko-KR" altLang="en-US" smtClean="0"/>
-              <a:t>2021-10-20</a:t>
+              <a:t>2022-09-15</a:t>
             </a:fld>
             <a:endParaRPr lang="ko-KR" altLang="en-US"/>
           </a:p>
@@ -1045,7 +1046,7 @@
           <a:p>
             <a:fld id="{36FDB5DE-AD6D-4FA1-9BD6-1FCA0D10370A}" type="datetimeFigureOut">
               <a:rPr lang="ko-KR" altLang="en-US" smtClean="0"/>
-              <a:t>2021-10-20</a:t>
+              <a:t>2022-09-15</a:t>
             </a:fld>
             <a:endParaRPr lang="ko-KR" altLang="en-US"/>
           </a:p>
@@ -1220,7 +1221,7 @@
           <a:p>
             <a:fld id="{36FDB5DE-AD6D-4FA1-9BD6-1FCA0D10370A}" type="datetimeFigureOut">
               <a:rPr lang="ko-KR" altLang="en-US" smtClean="0"/>
-              <a:t>2021-10-20</a:t>
+              <a:t>2022-09-15</a:t>
             </a:fld>
             <a:endParaRPr lang="ko-KR" altLang="en-US"/>
           </a:p>
@@ -1385,7 +1386,7 @@
           <a:p>
             <a:fld id="{36FDB5DE-AD6D-4FA1-9BD6-1FCA0D10370A}" type="datetimeFigureOut">
               <a:rPr lang="ko-KR" altLang="en-US" smtClean="0"/>
-              <a:t>2021-10-20</a:t>
+              <a:t>2022-09-15</a:t>
             </a:fld>
             <a:endParaRPr lang="ko-KR" altLang="en-US"/>
           </a:p>
@@ -1626,7 +1627,7 @@
           <a:p>
             <a:fld id="{36FDB5DE-AD6D-4FA1-9BD6-1FCA0D10370A}" type="datetimeFigureOut">
               <a:rPr lang="ko-KR" altLang="en-US" smtClean="0"/>
-              <a:t>2021-10-20</a:t>
+              <a:t>2022-09-15</a:t>
             </a:fld>
             <a:endParaRPr lang="ko-KR" altLang="en-US"/>
           </a:p>
@@ -1909,7 +1910,7 @@
           <a:p>
             <a:fld id="{36FDB5DE-AD6D-4FA1-9BD6-1FCA0D10370A}" type="datetimeFigureOut">
               <a:rPr lang="ko-KR" altLang="en-US" smtClean="0"/>
-              <a:t>2021-10-20</a:t>
+              <a:t>2022-09-15</a:t>
             </a:fld>
             <a:endParaRPr lang="ko-KR" altLang="en-US"/>
           </a:p>
@@ -2338,7 +2339,7 @@
           <a:p>
             <a:fld id="{36FDB5DE-AD6D-4FA1-9BD6-1FCA0D10370A}" type="datetimeFigureOut">
               <a:rPr lang="ko-KR" altLang="en-US" smtClean="0"/>
-              <a:t>2021-10-20</a:t>
+              <a:t>2022-09-15</a:t>
             </a:fld>
             <a:endParaRPr lang="ko-KR" altLang="en-US"/>
           </a:p>
@@ -2451,7 +2452,7 @@
           <a:p>
             <a:fld id="{36FDB5DE-AD6D-4FA1-9BD6-1FCA0D10370A}" type="datetimeFigureOut">
               <a:rPr lang="ko-KR" altLang="en-US" smtClean="0"/>
-              <a:t>2021-10-20</a:t>
+              <a:t>2022-09-15</a:t>
             </a:fld>
             <a:endParaRPr lang="ko-KR" altLang="en-US"/>
           </a:p>
@@ -2541,7 +2542,7 @@
           <a:p>
             <a:fld id="{36FDB5DE-AD6D-4FA1-9BD6-1FCA0D10370A}" type="datetimeFigureOut">
               <a:rPr lang="ko-KR" altLang="en-US" smtClean="0"/>
-              <a:t>2021-10-20</a:t>
+              <a:t>2022-09-15</a:t>
             </a:fld>
             <a:endParaRPr lang="ko-KR" altLang="en-US"/>
           </a:p>
@@ -2730,7 +2731,7 @@
           <a:p>
             <a:fld id="{36FDB5DE-AD6D-4FA1-9BD6-1FCA0D10370A}" type="datetimeFigureOut">
               <a:rPr lang="ko-KR" altLang="en-US" smtClean="0"/>
-              <a:t>2021-10-20</a:t>
+              <a:t>2022-09-15</a:t>
             </a:fld>
             <a:endParaRPr lang="ko-KR" altLang="en-US"/>
           </a:p>
@@ -3048,7 +3049,7 @@
           <a:p>
             <a:fld id="{36FDB5DE-AD6D-4FA1-9BD6-1FCA0D10370A}" type="datetimeFigureOut">
               <a:rPr lang="ko-KR" altLang="en-US" smtClean="0"/>
-              <a:t>2021-10-20</a:t>
+              <a:t>2022-09-15</a:t>
             </a:fld>
             <a:endParaRPr lang="ko-KR" altLang="en-US"/>
           </a:p>
@@ -3427,7 +3428,7 @@
           <a:p>
             <a:fld id="{36FDB5DE-AD6D-4FA1-9BD6-1FCA0D10370A}" type="datetimeFigureOut">
               <a:rPr lang="ko-KR" altLang="en-US" smtClean="0"/>
-              <a:t>2021-10-20</a:t>
+              <a:t>2022-09-15</a:t>
             </a:fld>
             <a:endParaRPr lang="ko-KR" altLang="en-US"/>
           </a:p>
@@ -3867,9 +3868,119 @@
           <a:chExt cx="0" cy="0"/>
         </a:xfrm>
       </p:grpSpPr>
+      <p:sp>
+        <p:nvSpPr>
+          <p:cNvPr id="2" name="제목 1"/>
+          <p:cNvSpPr>
+            <a:spLocks noGrp="1"/>
+          </p:cNvSpPr>
+          <p:nvPr>
+            <p:ph type="title"/>
+          </p:nvPr>
+        </p:nvSpPr>
+        <p:spPr/>
+        <p:txBody>
+          <a:bodyPr/>
+          <a:lstStyle/>
+          <a:p>
+            <a:r>
+              <a:rPr lang="en-US" altLang="ko-KR" dirty="0"/>
+              <a:t>CSS3 </a:t>
+            </a:r>
+            <a:r>
+              <a:rPr lang="ko-KR" altLang="en-US" dirty="0" err="1"/>
+              <a:t>선택자</a:t>
+            </a:r>
+            <a:r>
+              <a:rPr lang="ko-KR" altLang="en-US" dirty="0"/>
+              <a:t> 기본</a:t>
+            </a:r>
+            <a:r>
+              <a:rPr lang="en-US" altLang="ko-KR" dirty="0"/>
+              <a:t/>
+            </a:r>
+            <a:br>
+              <a:rPr lang="en-US" altLang="ko-KR" dirty="0"/>
+            </a:br>
+            <a:r>
+              <a:rPr lang="en-US" altLang="ko-KR" sz="2400" dirty="0"/>
+              <a:t>         </a:t>
+            </a:r>
+            <a:r>
+              <a:rPr lang="en-US" altLang="ko-KR" sz="2400" dirty="0" err="1"/>
+              <a:t>BootStrap</a:t>
+            </a:r>
+            <a:r>
+              <a:rPr lang="en-US" altLang="ko-KR" sz="2400" dirty="0"/>
+              <a:t> </a:t>
+            </a:r>
+            <a:r>
+              <a:rPr lang="ko-KR" altLang="en-US" sz="2400" dirty="0"/>
+              <a:t>활용하기</a:t>
+            </a:r>
+            <a:endParaRPr lang="ko-KR" altLang="en-US" dirty="0"/>
+          </a:p>
+        </p:txBody>
+      </p:sp>
+      <p:sp>
+        <p:nvSpPr>
+          <p:cNvPr id="3" name="내용 개체 틀 2"/>
+          <p:cNvSpPr>
+            <a:spLocks noGrp="1"/>
+          </p:cNvSpPr>
+          <p:nvPr>
+            <p:ph idx="1"/>
+          </p:nvPr>
+        </p:nvSpPr>
+        <p:spPr>
+          <a:xfrm>
+            <a:off x="457200" y="1600200"/>
+            <a:ext cx="8075240" cy="4800600"/>
+          </a:xfrm>
+        </p:spPr>
+        <p:txBody>
+          <a:bodyPr>
+            <a:normAutofit/>
+          </a:bodyPr>
+          <a:lstStyle/>
+          <a:p>
+            <a:r>
+              <a:rPr lang="en-US" altLang="ko-KR" sz="2400" dirty="0" smtClean="0"/>
+              <a:t>Container</a:t>
+            </a:r>
+          </a:p>
+          <a:p>
+            <a:pPr lvl="1"/>
+            <a:r>
+              <a:rPr lang="en-US" altLang="ko-KR" sz="2200" dirty="0" err="1" smtClean="0"/>
+              <a:t>BootStrap</a:t>
+            </a:r>
+            <a:r>
+              <a:rPr lang="ko-KR" altLang="en-US" sz="2200" dirty="0" smtClean="0"/>
+              <a:t>의 가장 기초적인 레이아웃</a:t>
+            </a:r>
+            <a:endParaRPr lang="en-US" altLang="ko-KR" sz="2200" dirty="0" smtClean="0"/>
+          </a:p>
+          <a:p>
+            <a:pPr lvl="1"/>
+            <a:r>
+              <a:rPr lang="ko-KR" altLang="en-US" sz="2200" dirty="0" smtClean="0"/>
+              <a:t>중앙정렬하는 </a:t>
+            </a:r>
+            <a:r>
+              <a:rPr lang="en-US" altLang="ko-KR" sz="2200" dirty="0" err="1" smtClean="0"/>
+              <a:t>css</a:t>
+            </a:r>
+            <a:r>
+              <a:rPr lang="ko-KR" altLang="en-US" sz="2200" dirty="0" smtClean="0"/>
+              <a:t>가 적용되어 있음</a:t>
+            </a:r>
+          </a:p>
+        </p:txBody>
+      </p:sp>
       <p:pic>
         <p:nvPicPr>
-          <p:cNvPr id="4" name="그림 3"/>
+          <p:cNvPr id="6" name="그림 5"/>
           <p:cNvPicPr>
             <a:picLocks noChangeAspect="1"/>
           </p:cNvPicPr>
@@ -3883,183 +3994,22 @@
         </p:blipFill>
         <p:spPr>
           <a:xfrm>
-            <a:off x="107504" y="3203926"/>
-            <a:ext cx="2295845" cy="1181265"/>
+            <a:off x="446936" y="5301208"/>
+            <a:ext cx="7704856" cy="514461"/>
           </a:xfrm>
           <a:prstGeom prst="rect">
             <a:avLst/>
           </a:prstGeom>
+          <a:ln>
+            <a:solidFill>
+              <a:schemeClr val="tx1"/>
+            </a:solidFill>
+          </a:ln>
         </p:spPr>
       </p:pic>
-      <p:sp>
-        <p:nvSpPr>
-          <p:cNvPr id="2" name="제목 1"/>
-          <p:cNvSpPr>
-            <a:spLocks noGrp="1"/>
-          </p:cNvSpPr>
-          <p:nvPr>
-            <p:ph type="title"/>
-          </p:nvPr>
-        </p:nvSpPr>
-        <p:spPr/>
-        <p:txBody>
-          <a:bodyPr/>
-          <a:lstStyle/>
-          <a:p>
-            <a:r>
-              <a:rPr lang="en-US" altLang="ko-KR" dirty="0"/>
-              <a:t>CSS3 </a:t>
-            </a:r>
-            <a:r>
-              <a:rPr lang="ko-KR" altLang="en-US" dirty="0" err="1"/>
-              <a:t>선택자</a:t>
-            </a:r>
-            <a:r>
-              <a:rPr lang="ko-KR" altLang="en-US" dirty="0"/>
-              <a:t> 기본</a:t>
-            </a:r>
-            <a:r>
-              <a:rPr lang="en-US" altLang="ko-KR" dirty="0"/>
-              <a:t/>
-            </a:r>
-            <a:br>
-              <a:rPr lang="en-US" altLang="ko-KR" dirty="0"/>
-            </a:br>
-            <a:r>
-              <a:rPr lang="en-US" altLang="ko-KR" sz="2400" dirty="0"/>
-              <a:t>         </a:t>
-            </a:r>
-            <a:r>
-              <a:rPr lang="en-US" altLang="ko-KR" sz="2400" dirty="0" err="1"/>
-              <a:t>BootStrap</a:t>
-            </a:r>
-            <a:r>
-              <a:rPr lang="en-US" altLang="ko-KR" sz="2400" dirty="0"/>
-              <a:t> </a:t>
-            </a:r>
-            <a:r>
-              <a:rPr lang="ko-KR" altLang="en-US" sz="2400" dirty="0"/>
-              <a:t>활용하기</a:t>
-            </a:r>
-            <a:endParaRPr lang="ko-KR" altLang="en-US" dirty="0"/>
-          </a:p>
-        </p:txBody>
-      </p:sp>
-      <p:sp>
-        <p:nvSpPr>
-          <p:cNvPr id="3" name="내용 개체 틀 2"/>
-          <p:cNvSpPr>
-            <a:spLocks noGrp="1"/>
-          </p:cNvSpPr>
-          <p:nvPr>
-            <p:ph idx="1"/>
-          </p:nvPr>
-        </p:nvSpPr>
-        <p:spPr>
-          <a:xfrm>
-            <a:off x="457200" y="1600200"/>
-            <a:ext cx="8075240" cy="4800600"/>
-          </a:xfrm>
-        </p:spPr>
-        <p:txBody>
-          <a:bodyPr>
-            <a:normAutofit/>
-          </a:bodyPr>
-          <a:lstStyle/>
-          <a:p>
-            <a:r>
-              <a:rPr lang="en-US" altLang="ko-KR" sz="2400" dirty="0" err="1" smtClean="0"/>
-              <a:t>Navbar</a:t>
-            </a:r>
-            <a:endParaRPr lang="en-US" altLang="ko-KR" sz="2400" dirty="0" smtClean="0"/>
-          </a:p>
-          <a:p>
-            <a:pPr lvl="1"/>
-            <a:r>
-              <a:rPr lang="ko-KR" altLang="en-US" dirty="0" smtClean="0"/>
-              <a:t>네비게이션 안에 검색 창과 </a:t>
-            </a:r>
-            <a:r>
-              <a:rPr lang="en-US" altLang="ko-KR" dirty="0" err="1" smtClean="0"/>
-              <a:t>DropDown</a:t>
-            </a:r>
-            <a:r>
-              <a:rPr lang="ko-KR" altLang="en-US" dirty="0" smtClean="0"/>
-              <a:t>이 포함됨</a:t>
-            </a:r>
-            <a:endParaRPr lang="en-US" altLang="ko-KR" dirty="0" smtClean="0"/>
-          </a:p>
-          <a:p>
-            <a:pPr marL="777240" lvl="2" indent="0">
-              <a:buNone/>
-            </a:pPr>
-            <a:r>
-              <a:rPr lang="en-US" altLang="ko-KR" sz="1200" dirty="0" smtClean="0"/>
-              <a:t>※ </a:t>
-            </a:r>
-            <a:r>
-              <a:rPr lang="ko-KR" altLang="en-US" sz="1200" dirty="0" smtClean="0"/>
-              <a:t>네비게이션 </a:t>
-            </a:r>
-            <a:r>
-              <a:rPr lang="en-US" altLang="ko-KR" sz="1200" dirty="0" smtClean="0"/>
-              <a:t>: </a:t>
-            </a:r>
-            <a:r>
-              <a:rPr lang="ko-KR" altLang="en-US" sz="1200" dirty="0" err="1" smtClean="0"/>
-              <a:t>메뉴바</a:t>
-            </a:r>
-            <a:r>
-              <a:rPr lang="en-US" altLang="ko-KR" sz="1200" dirty="0" smtClean="0"/>
-              <a:t>, </a:t>
-            </a:r>
-            <a:r>
-              <a:rPr lang="ko-KR" altLang="en-US" sz="1200" dirty="0" smtClean="0"/>
-              <a:t>사이트 내외부적으로 이동하고 싶은 곳으로 이동할 수 </a:t>
-            </a:r>
-            <a:r>
-              <a:rPr lang="ko-KR" altLang="en-US" sz="1200" dirty="0" err="1" smtClean="0"/>
-              <a:t>있게함</a:t>
-            </a:r>
-            <a:endParaRPr lang="en-US" altLang="ko-KR" sz="1200" dirty="0" smtClean="0"/>
-          </a:p>
-          <a:p>
-            <a:pPr marL="777240" lvl="2" indent="0">
-              <a:buNone/>
-            </a:pPr>
-            <a:r>
-              <a:rPr lang="en-US" altLang="ko-KR" sz="1200" dirty="0"/>
-              <a:t>※ </a:t>
-            </a:r>
-            <a:r>
-              <a:rPr lang="en-US" altLang="ko-KR" sz="1200" dirty="0" err="1" smtClean="0"/>
-              <a:t>DropDown</a:t>
-            </a:r>
-            <a:r>
-              <a:rPr lang="ko-KR" altLang="en-US" sz="1200" dirty="0" smtClean="0"/>
-              <a:t> </a:t>
-            </a:r>
-            <a:r>
-              <a:rPr lang="en-US" altLang="ko-KR" sz="1200" dirty="0"/>
-              <a:t>: </a:t>
-            </a:r>
-            <a:r>
-              <a:rPr lang="ko-KR" altLang="en-US" sz="1200" dirty="0" smtClean="0"/>
-              <a:t>목록들을 접고 펼 수 있는 기능</a:t>
-            </a:r>
-            <a:endParaRPr lang="en-US" altLang="ko-KR" sz="1200" dirty="0"/>
-          </a:p>
-          <a:p>
-            <a:pPr marL="777240" lvl="2" indent="0">
-              <a:buNone/>
-            </a:pPr>
-            <a:endParaRPr lang="ko-KR" altLang="en-US" sz="1200" dirty="0" smtClean="0"/>
-          </a:p>
-        </p:txBody>
-      </p:sp>
       <p:pic>
         <p:nvPicPr>
-          <p:cNvPr id="5" name="그림 4"/>
+          <p:cNvPr id="9" name="그림 8"/>
           <p:cNvPicPr>
             <a:picLocks noChangeAspect="1"/>
           </p:cNvPicPr>
@@ -4073,17 +4023,22 @@
         </p:blipFill>
         <p:spPr>
           <a:xfrm>
-            <a:off x="107504" y="4472699"/>
-            <a:ext cx="3715268" cy="1476581"/>
+            <a:off x="446936" y="3252267"/>
+            <a:ext cx="2486372" cy="1305107"/>
           </a:xfrm>
           <a:prstGeom prst="rect">
             <a:avLst/>
           </a:prstGeom>
+          <a:ln>
+            <a:solidFill>
+              <a:schemeClr val="tx1"/>
+            </a:solidFill>
+          </a:ln>
         </p:spPr>
       </p:pic>
       <p:pic>
         <p:nvPicPr>
-          <p:cNvPr id="7" name="그림 6"/>
+          <p:cNvPr id="10" name="그림 9"/>
           <p:cNvPicPr>
             <a:picLocks noChangeAspect="1"/>
           </p:cNvPicPr>
@@ -4097,17 +4052,22 @@
         </p:blipFill>
         <p:spPr>
           <a:xfrm>
-            <a:off x="2748853" y="3182986"/>
-            <a:ext cx="5254037" cy="1041813"/>
+            <a:off x="3419872" y="3605157"/>
+            <a:ext cx="3439005" cy="790685"/>
           </a:xfrm>
           <a:prstGeom prst="rect">
             <a:avLst/>
           </a:prstGeom>
+          <a:ln>
+            <a:solidFill>
+              <a:schemeClr val="tx1"/>
+            </a:solidFill>
+          </a:ln>
         </p:spPr>
       </p:pic>
       <p:sp>
         <p:nvSpPr>
-          <p:cNvPr id="11" name="직사각형 10">
+          <p:cNvPr id="18" name="직사각형 17">
             <a:extLst>
               <a:ext uri="{FF2B5EF4-FFF2-40B4-BE49-F238E27FC236}">
                 <a16:creationId xmlns:a16="http://schemas.microsoft.com/office/drawing/2014/main" id="{D894240E-A948-42D6-A60F-4FEFB1977B17}"/>
@@ -4119,8 +4079,8 @@
         </p:nvSpPr>
         <p:spPr>
           <a:xfrm>
-            <a:off x="7657296" y="4034692"/>
-            <a:ext cx="299080" cy="190107"/>
+            <a:off x="3752620" y="3629153"/>
+            <a:ext cx="1323436" cy="216024"/>
           </a:xfrm>
           <a:prstGeom prst="rect">
             <a:avLst/>
@@ -4158,302 +4118,23 @@
           </a:p>
         </p:txBody>
       </p:sp>
-      <p:sp>
-        <p:nvSpPr>
-          <p:cNvPr id="12" name="직사각형 11">
-            <a:extLst>
-              <a:ext uri="{FF2B5EF4-FFF2-40B4-BE49-F238E27FC236}">
-                <a16:creationId xmlns:a16="http://schemas.microsoft.com/office/drawing/2014/main" id="{D894240E-A948-42D6-A60F-4FEFB1977B17}"/>
-              </a:ext>
-            </a:extLst>
-          </p:cNvPr>
-          <p:cNvSpPr/>
-          <p:nvPr/>
-        </p:nvSpPr>
-        <p:spPr>
-          <a:xfrm>
-            <a:off x="392021" y="4698458"/>
-            <a:ext cx="2160240" cy="360040"/>
-          </a:xfrm>
-          <a:prstGeom prst="rect">
-            <a:avLst/>
-          </a:prstGeom>
-          <a:noFill/>
-          <a:ln w="28575">
-            <a:solidFill>
-              <a:srgbClr val="EC0C15"/>
-            </a:solidFill>
-            <a:miter lim="800000"/>
-          </a:ln>
-        </p:spPr>
-        <p:style>
-          <a:lnRef idx="2">
-            <a:schemeClr val="accent1">
-              <a:shade val="50000"/>
-            </a:schemeClr>
-          </a:lnRef>
-          <a:fillRef idx="1">
-            <a:schemeClr val="accent1"/>
-          </a:fillRef>
-          <a:effectRef idx="0">
-            <a:schemeClr val="accent1"/>
-          </a:effectRef>
-          <a:fontRef idx="minor">
-            <a:schemeClr val="lt1"/>
-          </a:fontRef>
-        </p:style>
-        <p:txBody>
-          <a:bodyPr rtlCol="0" anchor="ctr"/>
-          <a:lstStyle/>
-          <a:p>
-            <a:pPr algn="ctr"/>
-            <a:r>
-              <a:rPr lang="ko-KR" altLang="en-US" sz="1100" dirty="0" smtClean="0">
-                <a:solidFill>
-                  <a:sysClr val="windowText" lastClr="000000"/>
-                </a:solidFill>
-              </a:rPr>
-              <a:t>여기에 </a:t>
-            </a:r>
-            <a:r>
-              <a:rPr lang="ko-KR" altLang="en-US" sz="1100" dirty="0" err="1" smtClean="0">
-                <a:solidFill>
-                  <a:sysClr val="windowText" lastClr="000000"/>
-                </a:solidFill>
-              </a:rPr>
-              <a:t>붙여넣기</a:t>
-            </a:r>
-            <a:endParaRPr lang="ko-KR" altLang="en-US" sz="1100" dirty="0">
-              <a:solidFill>
-                <a:sysClr val="windowText" lastClr="000000"/>
-              </a:solidFill>
-            </a:endParaRPr>
-          </a:p>
-        </p:txBody>
-      </p:sp>
-      <p:sp>
-        <p:nvSpPr>
-          <p:cNvPr id="13" name="직사각형 12">
-            <a:extLst>
-              <a:ext uri="{FF2B5EF4-FFF2-40B4-BE49-F238E27FC236}">
-                <a16:creationId xmlns:a16="http://schemas.microsoft.com/office/drawing/2014/main" id="{D894240E-A948-42D6-A60F-4FEFB1977B17}"/>
-              </a:ext>
-            </a:extLst>
-          </p:cNvPr>
-          <p:cNvSpPr/>
-          <p:nvPr/>
-        </p:nvSpPr>
-        <p:spPr>
-          <a:xfrm>
-            <a:off x="262540" y="5160678"/>
-            <a:ext cx="3464795" cy="788601"/>
-          </a:xfrm>
-          <a:prstGeom prst="rect">
-            <a:avLst/>
-          </a:prstGeom>
-          <a:noFill/>
-          <a:ln w="28575">
-            <a:solidFill>
-              <a:srgbClr val="EC0C15"/>
-            </a:solidFill>
-            <a:miter lim="800000"/>
-          </a:ln>
-        </p:spPr>
-        <p:style>
-          <a:lnRef idx="2">
-            <a:schemeClr val="accent1">
-              <a:shade val="50000"/>
-            </a:schemeClr>
-          </a:lnRef>
-          <a:fillRef idx="1">
-            <a:schemeClr val="accent1"/>
-          </a:fillRef>
-          <a:effectRef idx="0">
-            <a:schemeClr val="accent1"/>
-          </a:effectRef>
-          <a:fontRef idx="minor">
-            <a:schemeClr val="lt1"/>
-          </a:fontRef>
-        </p:style>
-        <p:txBody>
-          <a:bodyPr rtlCol="0" anchor="ctr"/>
-          <a:lstStyle/>
-          <a:p>
-            <a:pPr algn="ctr"/>
-            <a:endParaRPr lang="ko-KR" altLang="en-US"/>
-          </a:p>
-        </p:txBody>
-      </p:sp>
-      <p:sp>
-        <p:nvSpPr>
-          <p:cNvPr id="8" name="TextBox 7"/>
-          <p:cNvSpPr txBox="1"/>
-          <p:nvPr/>
-        </p:nvSpPr>
-        <p:spPr>
-          <a:xfrm>
-            <a:off x="2005783" y="5230664"/>
-            <a:ext cx="1550424" cy="261610"/>
-          </a:xfrm>
-          <a:prstGeom prst="rect">
-            <a:avLst/>
-          </a:prstGeom>
-          <a:noFill/>
-        </p:spPr>
-        <p:txBody>
-          <a:bodyPr wrap="none" rtlCol="0">
-            <a:spAutoFit/>
-          </a:bodyPr>
-          <a:lstStyle/>
-          <a:p>
-            <a:r>
-              <a:rPr lang="ko-KR" altLang="en-US" sz="1100" dirty="0" smtClean="0"/>
-              <a:t>이 부분은 본문에 해당</a:t>
-            </a:r>
-            <a:endParaRPr lang="ko-KR" altLang="en-US" sz="1100" dirty="0"/>
-          </a:p>
-        </p:txBody>
-      </p:sp>
-      <p:pic>
-        <p:nvPicPr>
-          <p:cNvPr id="14" name="그림 13"/>
-          <p:cNvPicPr>
-            <a:picLocks noChangeAspect="1"/>
-          </p:cNvPicPr>
-          <p:nvPr/>
-        </p:nvPicPr>
-        <p:blipFill>
-          <a:blip r:embed="rId5"/>
-          <a:stretch>
-            <a:fillRect/>
-          </a:stretch>
-        </p:blipFill>
-        <p:spPr>
-          <a:xfrm>
-            <a:off x="3947745" y="5085126"/>
-            <a:ext cx="4459722" cy="864153"/>
-          </a:xfrm>
-          <a:prstGeom prst="rect">
-            <a:avLst/>
-          </a:prstGeom>
-        </p:spPr>
-      </p:pic>
-      <p:sp>
-        <p:nvSpPr>
-          <p:cNvPr id="16" name="직사각형 15">
-            <a:extLst>
-              <a:ext uri="{FF2B5EF4-FFF2-40B4-BE49-F238E27FC236}">
-                <a16:creationId xmlns:a16="http://schemas.microsoft.com/office/drawing/2014/main" id="{D894240E-A948-42D6-A60F-4FEFB1977B17}"/>
-              </a:ext>
-            </a:extLst>
-          </p:cNvPr>
-          <p:cNvSpPr/>
-          <p:nvPr/>
-        </p:nvSpPr>
-        <p:spPr>
-          <a:xfrm>
-            <a:off x="3955633" y="5090825"/>
-            <a:ext cx="4451833" cy="254212"/>
-          </a:xfrm>
-          <a:prstGeom prst="rect">
-            <a:avLst/>
-          </a:prstGeom>
-          <a:noFill/>
-          <a:ln w="28575">
-            <a:solidFill>
-              <a:srgbClr val="EC0C15"/>
-            </a:solidFill>
-            <a:miter lim="800000"/>
-          </a:ln>
-        </p:spPr>
-        <p:style>
-          <a:lnRef idx="2">
-            <a:schemeClr val="accent1">
-              <a:shade val="50000"/>
-            </a:schemeClr>
-          </a:lnRef>
-          <a:fillRef idx="1">
-            <a:schemeClr val="accent1"/>
-          </a:fillRef>
-          <a:effectRef idx="0">
-            <a:schemeClr val="accent1"/>
-          </a:effectRef>
-          <a:fontRef idx="minor">
-            <a:schemeClr val="lt1"/>
-          </a:fontRef>
-        </p:style>
-        <p:txBody>
-          <a:bodyPr rtlCol="0" anchor="ctr"/>
-          <a:lstStyle/>
-          <a:p>
-            <a:pPr algn="ctr"/>
-            <a:endParaRPr lang="ko-KR" altLang="en-US"/>
-          </a:p>
-        </p:txBody>
-      </p:sp>
-      <p:sp>
-        <p:nvSpPr>
-          <p:cNvPr id="17" name="직사각형 16">
-            <a:extLst>
-              <a:ext uri="{FF2B5EF4-FFF2-40B4-BE49-F238E27FC236}">
-                <a16:creationId xmlns:a16="http://schemas.microsoft.com/office/drawing/2014/main" id="{D894240E-A948-42D6-A60F-4FEFB1977B17}"/>
-              </a:ext>
-            </a:extLst>
-          </p:cNvPr>
-          <p:cNvSpPr/>
-          <p:nvPr/>
-        </p:nvSpPr>
-        <p:spPr>
-          <a:xfrm>
-            <a:off x="4777717" y="5112425"/>
-            <a:ext cx="928357" cy="767066"/>
-          </a:xfrm>
-          <a:prstGeom prst="rect">
-            <a:avLst/>
-          </a:prstGeom>
-          <a:noFill/>
-          <a:ln w="28575">
-            <a:solidFill>
-              <a:srgbClr val="EC0C15"/>
-            </a:solidFill>
-            <a:miter lim="800000"/>
-          </a:ln>
-        </p:spPr>
-        <p:style>
-          <a:lnRef idx="2">
-            <a:schemeClr val="accent1">
-              <a:shade val="50000"/>
-            </a:schemeClr>
-          </a:lnRef>
-          <a:fillRef idx="1">
-            <a:schemeClr val="accent1"/>
-          </a:fillRef>
-          <a:effectRef idx="0">
-            <a:schemeClr val="accent1"/>
-          </a:effectRef>
-          <a:fontRef idx="minor">
-            <a:schemeClr val="lt1"/>
-          </a:fontRef>
-        </p:style>
-        <p:txBody>
-          <a:bodyPr rtlCol="0" anchor="ctr"/>
-          <a:lstStyle/>
-          <a:p>
-            <a:pPr algn="ctr"/>
-            <a:endParaRPr lang="ko-KR" altLang="en-US"/>
-          </a:p>
-        </p:txBody>
-      </p:sp>
     </p:spTree>
     <p:extLst>
       <p:ext uri="{BB962C8B-B14F-4D97-AF65-F5344CB8AC3E}">
-        <p14:creationId xmlns:p14="http://schemas.microsoft.com/office/powerpoint/2010/main" val="4088037142"/>
+        <p14:creationId xmlns:p14="http://schemas.microsoft.com/office/powerpoint/2010/main" val="2667320884"/>
       </p:ext>
     </p:extLst>
   </p:cSld>
   <p:clrMapOvr>
     <a:masterClrMapping/>
   </p:clrMapOvr>
+  <p:timing>
+    <p:tnLst>
+      <p:par>
+        <p:cTn id="1" dur="indefinite" restart="never" nodeType="tmRoot"/>
+      </p:par>
+    </p:tnLst>
+  </p:timing>
 </p:sld>
 </file>
 
@@ -4490,8 +4171,8 @@
         </p:blipFill>
         <p:spPr>
           <a:xfrm>
-            <a:off x="179512" y="2708920"/>
-            <a:ext cx="2353003" cy="1038370"/>
+            <a:off x="107504" y="3203926"/>
+            <a:ext cx="2295845" cy="1181265"/>
           </a:xfrm>
           <a:prstGeom prst="rect">
             <a:avLst/>
@@ -4575,29 +4256,26 @@
           <a:lstStyle/>
           <a:p>
             <a:r>
-              <a:rPr lang="en-US" altLang="ko-KR" sz="2400" dirty="0" smtClean="0"/>
-              <a:t>Grid </a:t>
-            </a:r>
-            <a:r>
-              <a:rPr lang="ko-KR" altLang="en-US" sz="2400" dirty="0" smtClean="0"/>
-              <a:t>시스템</a:t>
-            </a:r>
+              <a:rPr lang="en-US" altLang="ko-KR" sz="2400" dirty="0" err="1" smtClean="0"/>
+              <a:t>Navbar</a:t>
+            </a:r>
+            <a:endParaRPr lang="en-US" altLang="ko-KR" sz="2400" dirty="0" smtClean="0"/>
           </a:p>
           <a:p>
             <a:pPr lvl="1"/>
             <a:r>
-              <a:rPr lang="ko-KR" altLang="en-US" sz="1800" dirty="0" smtClean="0"/>
-              <a:t>한 줄을 </a:t>
-            </a:r>
-            <a:r>
-              <a:rPr lang="en-US" altLang="ko-KR" sz="1800" dirty="0" smtClean="0"/>
-              <a:t>12</a:t>
-            </a:r>
-            <a:r>
-              <a:rPr lang="ko-KR" altLang="en-US" sz="1800" dirty="0" smtClean="0"/>
-              <a:t>개의 열로 나누어 내용을 원하는 위치에 위치시킴</a:t>
-            </a:r>
-            <a:endParaRPr lang="en-US" altLang="ko-KR" sz="1800" dirty="0"/>
+              <a:rPr lang="ko-KR" altLang="en-US" dirty="0" smtClean="0"/>
+              <a:t>네비게이션 안에 검색 창과 </a:t>
+            </a:r>
+            <a:r>
+              <a:rPr lang="en-US" altLang="ko-KR" dirty="0" err="1" smtClean="0"/>
+              <a:t>DropDown</a:t>
+            </a:r>
+            <a:r>
+              <a:rPr lang="ko-KR" altLang="en-US" dirty="0" smtClean="0"/>
+              <a:t>이 포함됨</a:t>
+            </a:r>
+            <a:endParaRPr lang="en-US" altLang="ko-KR" dirty="0" smtClean="0"/>
           </a:p>
           <a:p>
             <a:pPr marL="777240" lvl="2" indent="0">
@@ -4605,69 +4283,71 @@
             </a:pPr>
             <a:r>
               <a:rPr lang="en-US" altLang="ko-KR" sz="1200" dirty="0" smtClean="0"/>
-              <a:t>※ 12</a:t>
+              <a:t>※ </a:t>
             </a:r>
             <a:r>
               <a:rPr lang="ko-KR" altLang="en-US" sz="1200" dirty="0" smtClean="0"/>
-              <a:t>로 나눈 이유 </a:t>
+              <a:t>네비게이션 </a:t>
             </a:r>
             <a:r>
               <a:rPr lang="en-US" altLang="ko-KR" sz="1200" dirty="0" smtClean="0"/>
-              <a:t>: 12</a:t>
+              <a:t>: </a:t>
+            </a:r>
+            <a:r>
+              <a:rPr lang="ko-KR" altLang="en-US" sz="1200" dirty="0" err="1" smtClean="0"/>
+              <a:t>메뉴바</a:t>
+            </a:r>
+            <a:r>
+              <a:rPr lang="en-US" altLang="ko-KR" sz="1200" dirty="0" smtClean="0"/>
+              <a:t>, </a:t>
             </a:r>
             <a:r>
               <a:rPr lang="ko-KR" altLang="en-US" sz="1200" dirty="0" smtClean="0"/>
-              <a:t>가 약수가 많으므로</a:t>
-            </a:r>
-            <a:r>
-              <a:rPr lang="en-US" altLang="ko-KR" sz="1200" dirty="0" smtClean="0"/>
-              <a:t>(1,2,3,4,6,12) </a:t>
-            </a:r>
-            <a:r>
-              <a:rPr lang="ko-KR" altLang="en-US" sz="1200" dirty="0" smtClean="0"/>
-              <a:t>다양하게 칸을 나눌 수 있음</a:t>
-            </a:r>
-            <a:endParaRPr lang="en-US" altLang="ko-KR" sz="1800" dirty="0" smtClean="0"/>
+              <a:t>사이트 내외부적으로 이동하고 싶은 곳으로 이동할 수 </a:t>
+            </a:r>
+            <a:r>
+              <a:rPr lang="ko-KR" altLang="en-US" sz="1200" dirty="0" err="1" smtClean="0"/>
+              <a:t>있게함</a:t>
+            </a:r>
+            <a:endParaRPr lang="en-US" altLang="ko-KR" sz="1200" dirty="0" smtClean="0"/>
           </a:p>
           <a:p>
             <a:pPr marL="777240" lvl="2" indent="0">
               <a:buNone/>
             </a:pPr>
             <a:r>
-              <a:rPr lang="en-US" altLang="ko-KR" sz="1200" dirty="0" smtClean="0"/>
+              <a:rPr lang="en-US" altLang="ko-KR" sz="1200" dirty="0"/>
               <a:t>※ </a:t>
             </a:r>
             <a:r>
               <a:rPr lang="en-US" altLang="ko-KR" sz="1200" dirty="0" err="1" smtClean="0"/>
-              <a:t>bootStrap</a:t>
+              <a:t>DropDown</a:t>
             </a:r>
             <a:r>
               <a:rPr lang="ko-KR" altLang="en-US" sz="1200" dirty="0" smtClean="0"/>
-              <a:t>없이 </a:t>
-            </a:r>
-            <a:r>
-              <a:rPr lang="en-US" altLang="ko-KR" sz="1200" dirty="0" err="1" smtClean="0"/>
-              <a:t>display:grid</a:t>
+              <a:t> </a:t>
+            </a:r>
+            <a:r>
+              <a:rPr lang="en-US" altLang="ko-KR" sz="1200" dirty="0"/>
+              <a:t>: </a:t>
             </a:r>
             <a:r>
               <a:rPr lang="ko-KR" altLang="en-US" sz="1200" dirty="0" smtClean="0"/>
-              <a:t>를 이용하여 </a:t>
-            </a:r>
-            <a:r>
-              <a:rPr lang="en-US" altLang="ko-KR" sz="1200" dirty="0" smtClean="0"/>
-              <a:t>Grid </a:t>
-            </a:r>
-            <a:r>
-              <a:rPr lang="ko-KR" altLang="en-US" sz="1200" dirty="0" smtClean="0"/>
-              <a:t>시스템 사용 가능 </a:t>
+              <a:t>목록들을 접고 펼 수 있는 기능</a:t>
             </a:r>
             <a:endParaRPr lang="en-US" altLang="ko-KR" sz="1200" dirty="0"/>
+          </a:p>
+          <a:p>
+            <a:pPr marL="777240" lvl="2" indent="0">
+              <a:buNone/>
+            </a:pPr>
+            <a:endParaRPr lang="ko-KR" altLang="en-US" sz="1200" dirty="0" smtClean="0"/>
           </a:p>
         </p:txBody>
       </p:sp>
       <p:pic>
         <p:nvPicPr>
-          <p:cNvPr id="6" name="그림 5"/>
+          <p:cNvPr id="5" name="그림 4"/>
           <p:cNvPicPr>
             <a:picLocks noChangeAspect="1"/>
           </p:cNvPicPr>
@@ -4681,8 +4361,8 @@
         </p:blipFill>
         <p:spPr>
           <a:xfrm>
-            <a:off x="179512" y="3864245"/>
-            <a:ext cx="3365037" cy="2719117"/>
+            <a:off x="107504" y="4472699"/>
+            <a:ext cx="3715268" cy="1476581"/>
           </a:xfrm>
           <a:prstGeom prst="rect">
             <a:avLst/>
@@ -4691,7 +4371,7 @@
       </p:pic>
       <p:pic>
         <p:nvPicPr>
-          <p:cNvPr id="9" name="그림 8"/>
+          <p:cNvPr id="7" name="그림 6"/>
           <p:cNvPicPr>
             <a:picLocks noChangeAspect="1"/>
           </p:cNvPicPr>
@@ -4705,41 +4385,17 @@
         </p:blipFill>
         <p:spPr>
           <a:xfrm>
-            <a:off x="3524333" y="4530221"/>
-            <a:ext cx="4891489" cy="412180"/>
+            <a:off x="2748853" y="3182986"/>
+            <a:ext cx="5254037" cy="1041813"/>
           </a:xfrm>
           <a:prstGeom prst="rect">
             <a:avLst/>
           </a:prstGeom>
         </p:spPr>
       </p:pic>
-      <p:pic>
-        <p:nvPicPr>
-          <p:cNvPr id="10" name="그림 9"/>
-          <p:cNvPicPr>
-            <a:picLocks noChangeAspect="1"/>
-          </p:cNvPicPr>
-          <p:nvPr/>
-        </p:nvPicPr>
-        <p:blipFill>
-          <a:blip r:embed="rId5"/>
-          <a:stretch>
-            <a:fillRect/>
-          </a:stretch>
-        </p:blipFill>
-        <p:spPr>
-          <a:xfrm>
-            <a:off x="3707197" y="5295122"/>
-            <a:ext cx="4545977" cy="376478"/>
-          </a:xfrm>
-          <a:prstGeom prst="rect">
-            <a:avLst/>
-          </a:prstGeom>
-        </p:spPr>
-      </p:pic>
-      <p:sp>
-        <p:nvSpPr>
-          <p:cNvPr id="18" name="직사각형 17">
+      <p:sp>
+        <p:nvSpPr>
+          <p:cNvPr id="11" name="직사각형 10">
             <a:extLst>
               <a:ext uri="{FF2B5EF4-FFF2-40B4-BE49-F238E27FC236}">
                 <a16:creationId xmlns:a16="http://schemas.microsoft.com/office/drawing/2014/main" id="{D894240E-A948-42D6-A60F-4FEFB1977B17}"/>
@@ -4751,8 +4407,8 @@
         </p:nvSpPr>
         <p:spPr>
           <a:xfrm>
-            <a:off x="323528" y="4750142"/>
-            <a:ext cx="936104" cy="921458"/>
+            <a:off x="7657296" y="4034692"/>
+            <a:ext cx="299080" cy="190107"/>
           </a:xfrm>
           <a:prstGeom prst="rect">
             <a:avLst/>
@@ -4792,7 +4448,7 @@
       </p:sp>
       <p:sp>
         <p:nvSpPr>
-          <p:cNvPr id="19" name="직사각형 18">
+          <p:cNvPr id="12" name="직사각형 11">
             <a:extLst>
               <a:ext uri="{FF2B5EF4-FFF2-40B4-BE49-F238E27FC236}">
                 <a16:creationId xmlns:a16="http://schemas.microsoft.com/office/drawing/2014/main" id="{D894240E-A948-42D6-A60F-4FEFB1977B17}"/>
@@ -4804,8 +4460,8 @@
         </p:nvSpPr>
         <p:spPr>
           <a:xfrm>
-            <a:off x="3569740" y="4686919"/>
-            <a:ext cx="4846081" cy="110233"/>
+            <a:off x="392021" y="4698458"/>
+            <a:ext cx="2160240" cy="360040"/>
           </a:xfrm>
           <a:prstGeom prst="rect">
             <a:avLst/>
@@ -4839,13 +4495,33 @@
           <a:lstStyle/>
           <a:p>
             <a:pPr algn="ctr"/>
-            <a:endParaRPr lang="ko-KR" altLang="en-US"/>
-          </a:p>
-        </p:txBody>
-      </p:sp>
-      <p:sp>
-        <p:nvSpPr>
-          <p:cNvPr id="20" name="직사각형 19">
+            <a:r>
+              <a:rPr lang="ko-KR" altLang="en-US" sz="1100" dirty="0" smtClean="0">
+                <a:solidFill>
+                  <a:sysClr val="windowText" lastClr="000000"/>
+                </a:solidFill>
+              </a:rPr>
+              <a:t>여기에 </a:t>
+            </a:r>
+            <a:r>
+              <a:rPr lang="ko-KR" altLang="en-US" sz="1100" dirty="0" err="1" smtClean="0">
+                <a:solidFill>
+                  <a:sysClr val="windowText" lastClr="000000"/>
+                </a:solidFill>
+              </a:rPr>
+              <a:t>붙여넣기</a:t>
+            </a:r>
+            <a:endParaRPr lang="ko-KR" altLang="en-US" sz="1100" dirty="0">
+              <a:solidFill>
+                <a:sysClr val="windowText" lastClr="000000"/>
+              </a:solidFill>
+            </a:endParaRPr>
+          </a:p>
+        </p:txBody>
+      </p:sp>
+      <p:sp>
+        <p:nvSpPr>
+          <p:cNvPr id="13" name="직사각형 12">
             <a:extLst>
               <a:ext uri="{FF2B5EF4-FFF2-40B4-BE49-F238E27FC236}">
                 <a16:creationId xmlns:a16="http://schemas.microsoft.com/office/drawing/2014/main" id="{D894240E-A948-42D6-A60F-4FEFB1977B17}"/>
@@ -4857,8 +4533,8 @@
         </p:nvSpPr>
         <p:spPr>
           <a:xfrm>
-            <a:off x="5068436" y="5365508"/>
-            <a:ext cx="2685841" cy="144104"/>
+            <a:off x="262540" y="5160678"/>
+            <a:ext cx="3464795" cy="788601"/>
           </a:xfrm>
           <a:prstGeom prst="rect">
             <a:avLst/>
@@ -4866,7 +4542,7 @@
           <a:noFill/>
           <a:ln w="28575">
             <a:solidFill>
-              <a:srgbClr val="FFC000"/>
+              <a:srgbClr val="EC0C15"/>
             </a:solidFill>
             <a:miter lim="800000"/>
           </a:ln>
@@ -4898,7 +4574,61 @@
       </p:sp>
       <p:sp>
         <p:nvSpPr>
-          <p:cNvPr id="21" name="직사각형 20">
+          <p:cNvPr id="8" name="TextBox 7"/>
+          <p:cNvSpPr txBox="1"/>
+          <p:nvPr/>
+        </p:nvSpPr>
+        <p:spPr>
+          <a:xfrm>
+            <a:off x="2005783" y="5230664"/>
+            <a:ext cx="1550424" cy="261610"/>
+          </a:xfrm>
+          <a:prstGeom prst="rect">
+            <a:avLst/>
+          </a:prstGeom>
+          <a:noFill/>
+        </p:spPr>
+        <p:txBody>
+          <a:bodyPr wrap="none" rtlCol="0">
+            <a:spAutoFit/>
+          </a:bodyPr>
+          <a:lstStyle/>
+          <a:p>
+            <a:r>
+              <a:rPr lang="ko-KR" altLang="en-US" sz="1100" dirty="0" smtClean="0"/>
+              <a:t>이 부분은 본문에 해당</a:t>
+            </a:r>
+            <a:endParaRPr lang="ko-KR" altLang="en-US" sz="1100" dirty="0"/>
+          </a:p>
+        </p:txBody>
+      </p:sp>
+      <p:pic>
+        <p:nvPicPr>
+          <p:cNvPr id="14" name="그림 13"/>
+          <p:cNvPicPr>
+            <a:picLocks noChangeAspect="1"/>
+          </p:cNvPicPr>
+          <p:nvPr/>
+        </p:nvPicPr>
+        <p:blipFill>
+          <a:blip r:embed="rId5"/>
+          <a:stretch>
+            <a:fillRect/>
+          </a:stretch>
+        </p:blipFill>
+        <p:spPr>
+          <a:xfrm>
+            <a:off x="3947745" y="5085126"/>
+            <a:ext cx="4459722" cy="864153"/>
+          </a:xfrm>
+          <a:prstGeom prst="rect">
+            <a:avLst/>
+          </a:prstGeom>
+        </p:spPr>
+      </p:pic>
+      <p:sp>
+        <p:nvSpPr>
+          <p:cNvPr id="16" name="직사각형 15">
             <a:extLst>
               <a:ext uri="{FF2B5EF4-FFF2-40B4-BE49-F238E27FC236}">
                 <a16:creationId xmlns:a16="http://schemas.microsoft.com/office/drawing/2014/main" id="{D894240E-A948-42D6-A60F-4FEFB1977B17}"/>
@@ -4910,8 +4640,8 @@
         </p:nvSpPr>
         <p:spPr>
           <a:xfrm>
-            <a:off x="350561" y="5048512"/>
-            <a:ext cx="693048" cy="246610"/>
+            <a:off x="3955633" y="5090825"/>
+            <a:ext cx="4451833" cy="254212"/>
           </a:xfrm>
           <a:prstGeom prst="rect">
             <a:avLst/>
@@ -4919,7 +4649,7 @@
           <a:noFill/>
           <a:ln w="28575">
             <a:solidFill>
-              <a:srgbClr val="FFC000"/>
+              <a:srgbClr val="EC0C15"/>
             </a:solidFill>
             <a:miter lim="800000"/>
           </a:ln>
@@ -4949,10 +4679,63 @@
           </a:p>
         </p:txBody>
       </p:sp>
+      <p:sp>
+        <p:nvSpPr>
+          <p:cNvPr id="17" name="직사각형 16">
+            <a:extLst>
+              <a:ext uri="{FF2B5EF4-FFF2-40B4-BE49-F238E27FC236}">
+                <a16:creationId xmlns:a16="http://schemas.microsoft.com/office/drawing/2014/main" id="{D894240E-A948-42D6-A60F-4FEFB1977B17}"/>
+              </a:ext>
+            </a:extLst>
+          </p:cNvPr>
+          <p:cNvSpPr/>
+          <p:nvPr/>
+        </p:nvSpPr>
+        <p:spPr>
+          <a:xfrm>
+            <a:off x="4777717" y="5112425"/>
+            <a:ext cx="928357" cy="767066"/>
+          </a:xfrm>
+          <a:prstGeom prst="rect">
+            <a:avLst/>
+          </a:prstGeom>
+          <a:noFill/>
+          <a:ln w="28575">
+            <a:solidFill>
+              <a:srgbClr val="EC0C15"/>
+            </a:solidFill>
+            <a:miter lim="800000"/>
+          </a:ln>
+        </p:spPr>
+        <p:style>
+          <a:lnRef idx="2">
+            <a:schemeClr val="accent1">
+              <a:shade val="50000"/>
+            </a:schemeClr>
+          </a:lnRef>
+          <a:fillRef idx="1">
+            <a:schemeClr val="accent1"/>
+          </a:fillRef>
+          <a:effectRef idx="0">
+            <a:schemeClr val="accent1"/>
+          </a:effectRef>
+          <a:fontRef idx="minor">
+            <a:schemeClr val="lt1"/>
+          </a:fontRef>
+        </p:style>
+        <p:txBody>
+          <a:bodyPr rtlCol="0" anchor="ctr"/>
+          <a:lstStyle/>
+          <a:p>
+            <a:pPr algn="ctr"/>
+            <a:endParaRPr lang="ko-KR" altLang="en-US"/>
+          </a:p>
+        </p:txBody>
+      </p:sp>
     </p:spTree>
     <p:extLst>
       <p:ext uri="{BB962C8B-B14F-4D97-AF65-F5344CB8AC3E}">
-        <p14:creationId xmlns:p14="http://schemas.microsoft.com/office/powerpoint/2010/main" val="3547763728"/>
+        <p14:creationId xmlns:p14="http://schemas.microsoft.com/office/powerpoint/2010/main" val="4088037142"/>
       </p:ext>
     </p:extLst>
   </p:cSld>
@@ -4986,226 +4769,9 @@
           <a:chExt cx="0" cy="0"/>
         </a:xfrm>
       </p:grpSpPr>
-      <p:sp>
-        <p:nvSpPr>
-          <p:cNvPr id="2" name="제목 1"/>
-          <p:cNvSpPr>
-            <a:spLocks noGrp="1"/>
-          </p:cNvSpPr>
-          <p:nvPr>
-            <p:ph type="title"/>
-          </p:nvPr>
-        </p:nvSpPr>
-        <p:spPr/>
-        <p:txBody>
-          <a:bodyPr/>
-          <a:lstStyle/>
-          <a:p>
-            <a:r>
-              <a:rPr lang="en-US" altLang="ko-KR" dirty="0"/>
-              <a:t>CSS3 </a:t>
-            </a:r>
-            <a:r>
-              <a:rPr lang="ko-KR" altLang="en-US" dirty="0" err="1"/>
-              <a:t>선택자</a:t>
-            </a:r>
-            <a:r>
-              <a:rPr lang="ko-KR" altLang="en-US" dirty="0"/>
-              <a:t> 기본</a:t>
-            </a:r>
-            <a:r>
-              <a:rPr lang="en-US" altLang="ko-KR" dirty="0"/>
-              <a:t/>
-            </a:r>
-            <a:br>
-              <a:rPr lang="en-US" altLang="ko-KR" dirty="0"/>
-            </a:br>
-            <a:r>
-              <a:rPr lang="en-US" altLang="ko-KR" sz="2400" dirty="0"/>
-              <a:t>         </a:t>
-            </a:r>
-            <a:r>
-              <a:rPr lang="en-US" altLang="ko-KR" sz="2400" dirty="0" err="1"/>
-              <a:t>BootStrap</a:t>
-            </a:r>
-            <a:r>
-              <a:rPr lang="en-US" altLang="ko-KR" sz="2400" dirty="0"/>
-              <a:t> </a:t>
-            </a:r>
-            <a:r>
-              <a:rPr lang="ko-KR" altLang="en-US" sz="2400" dirty="0"/>
-              <a:t>활용하기</a:t>
-            </a:r>
-            <a:endParaRPr lang="ko-KR" altLang="en-US" dirty="0"/>
-          </a:p>
-        </p:txBody>
-      </p:sp>
-      <p:sp>
-        <p:nvSpPr>
-          <p:cNvPr id="3" name="내용 개체 틀 2"/>
-          <p:cNvSpPr>
-            <a:spLocks noGrp="1"/>
-          </p:cNvSpPr>
-          <p:nvPr>
-            <p:ph idx="1"/>
-          </p:nvPr>
-        </p:nvSpPr>
-        <p:spPr>
-          <a:xfrm>
-            <a:off x="457200" y="1600200"/>
-            <a:ext cx="8075240" cy="4800600"/>
-          </a:xfrm>
-        </p:spPr>
-        <p:txBody>
-          <a:bodyPr>
-            <a:normAutofit/>
-          </a:bodyPr>
-          <a:lstStyle/>
-          <a:p>
-            <a:r>
-              <a:rPr lang="en-US" altLang="ko-KR" sz="2400" dirty="0" smtClean="0"/>
-              <a:t>Grid </a:t>
-            </a:r>
-            <a:r>
-              <a:rPr lang="ko-KR" altLang="en-US" sz="2400" dirty="0" smtClean="0"/>
-              <a:t>시스템</a:t>
-            </a:r>
-          </a:p>
-          <a:p>
-            <a:pPr lvl="1"/>
-            <a:r>
-              <a:rPr lang="ko-KR" altLang="en-US" sz="1800" dirty="0" smtClean="0"/>
-              <a:t>한 줄을 </a:t>
-            </a:r>
-            <a:r>
-              <a:rPr lang="en-US" altLang="ko-KR" sz="1800" dirty="0" smtClean="0"/>
-              <a:t>12</a:t>
-            </a:r>
-            <a:r>
-              <a:rPr lang="ko-KR" altLang="en-US" sz="1800" dirty="0" smtClean="0"/>
-              <a:t>개의 열로 나누어 내용을 원하는 위치에 위치시킴</a:t>
-            </a:r>
-            <a:endParaRPr lang="en-US" altLang="ko-KR" sz="1800" dirty="0"/>
-          </a:p>
-          <a:p>
-            <a:pPr marL="777240" lvl="2" indent="0">
-              <a:buNone/>
-            </a:pPr>
-            <a:r>
-              <a:rPr lang="en-US" altLang="ko-KR" sz="1200" dirty="0"/>
-              <a:t>※ </a:t>
-            </a:r>
-            <a:r>
-              <a:rPr lang="en-US" altLang="ko-KR" sz="1200" dirty="0" err="1"/>
-              <a:t>bootStrap</a:t>
-            </a:r>
-            <a:r>
-              <a:rPr lang="ko-KR" altLang="en-US" sz="1200" dirty="0"/>
-              <a:t>없이 </a:t>
-            </a:r>
-            <a:r>
-              <a:rPr lang="en-US" altLang="ko-KR" sz="1200" dirty="0" err="1"/>
-              <a:t>display:grid</a:t>
-            </a:r>
-            <a:r>
-              <a:rPr lang="ko-KR" altLang="en-US" sz="1200" dirty="0"/>
-              <a:t>를 이용하여 </a:t>
-            </a:r>
-            <a:r>
-              <a:rPr lang="en-US" altLang="ko-KR" sz="1200" dirty="0"/>
-              <a:t>Grid </a:t>
-            </a:r>
-            <a:r>
-              <a:rPr lang="ko-KR" altLang="en-US" sz="1200" dirty="0"/>
-              <a:t>시스템 사용 가능 </a:t>
-            </a:r>
-            <a:endParaRPr lang="en-US" altLang="ko-KR" sz="1800" dirty="0" smtClean="0"/>
-          </a:p>
-          <a:p>
-            <a:pPr lvl="1"/>
-            <a:r>
-              <a:rPr lang="en-US" altLang="ko-KR" sz="1800" dirty="0" smtClean="0"/>
-              <a:t>Row : </a:t>
-            </a:r>
-            <a:r>
-              <a:rPr lang="ko-KR" altLang="en-US" sz="1800" dirty="0" smtClean="0"/>
-              <a:t>한 줄</a:t>
-            </a:r>
-            <a:r>
-              <a:rPr lang="en-US" altLang="ko-KR" sz="1800" dirty="0" smtClean="0"/>
-              <a:t>(</a:t>
-            </a:r>
-            <a:r>
-              <a:rPr lang="ko-KR" altLang="en-US" sz="1800" dirty="0" smtClean="0"/>
-              <a:t>행</a:t>
-            </a:r>
-            <a:r>
-              <a:rPr lang="en-US" altLang="ko-KR" sz="1800" dirty="0" smtClean="0"/>
-              <a:t>)</a:t>
-            </a:r>
-            <a:r>
-              <a:rPr lang="ko-KR" altLang="en-US" sz="1800" dirty="0" smtClean="0"/>
-              <a:t>을 의미하며 </a:t>
-            </a:r>
-            <a:r>
-              <a:rPr lang="en-US" altLang="ko-KR" sz="1800" dirty="0" smtClean="0"/>
-              <a:t>Grid </a:t>
-            </a:r>
-            <a:r>
-              <a:rPr lang="ko-KR" altLang="en-US" sz="1800" dirty="0" smtClean="0"/>
-              <a:t>시스템을 적용시키려면 </a:t>
-            </a:r>
-            <a:r>
-              <a:rPr lang="en-US" altLang="ko-KR" sz="1800" dirty="0" smtClean="0"/>
-              <a:t>row</a:t>
-            </a:r>
-            <a:r>
-              <a:rPr lang="ko-KR" altLang="en-US" sz="1800" dirty="0" smtClean="0"/>
-              <a:t>로 감싸야 함</a:t>
-            </a:r>
-            <a:endParaRPr lang="en-US" altLang="ko-KR" sz="1800" dirty="0" smtClean="0"/>
-          </a:p>
-          <a:p>
-            <a:pPr lvl="1"/>
-            <a:r>
-              <a:rPr lang="en-US" altLang="ko-KR" sz="1800" dirty="0" smtClean="0"/>
-              <a:t>Col : </a:t>
-            </a:r>
-            <a:r>
-              <a:rPr lang="ko-KR" altLang="en-US" sz="1800" dirty="0" smtClean="0"/>
-              <a:t>열을 의미하며 </a:t>
-            </a:r>
-            <a:r>
-              <a:rPr lang="en-US" altLang="ko-KR" sz="1800" dirty="0" smtClean="0"/>
-              <a:t>col-6</a:t>
-            </a:r>
-            <a:r>
-              <a:rPr lang="ko-KR" altLang="en-US" sz="1800" dirty="0" smtClean="0"/>
-              <a:t>이면 </a:t>
-            </a:r>
-            <a:r>
-              <a:rPr lang="en-US" altLang="ko-KR" sz="1800" dirty="0" smtClean="0"/>
-              <a:t>12</a:t>
-            </a:r>
-            <a:r>
-              <a:rPr lang="ko-KR" altLang="en-US" sz="1800" dirty="0" smtClean="0"/>
-              <a:t>칸 중 </a:t>
-            </a:r>
-            <a:r>
-              <a:rPr lang="en-US" altLang="ko-KR" sz="1800" dirty="0" smtClean="0"/>
-              <a:t>6</a:t>
-            </a:r>
-            <a:r>
-              <a:rPr lang="ko-KR" altLang="en-US" sz="1800" dirty="0" smtClean="0"/>
-              <a:t>칸을 차지하겠다는 것을 의미</a:t>
-            </a:r>
-            <a:endParaRPr lang="en-US" altLang="ko-KR" sz="1200" dirty="0" smtClean="0"/>
-          </a:p>
-        </p:txBody>
-      </p:sp>
       <p:pic>
         <p:nvPicPr>
-          <p:cNvPr id="5" name="그림 4"/>
+          <p:cNvPr id="4" name="그림 3"/>
           <p:cNvPicPr>
             <a:picLocks noChangeAspect="1"/>
           </p:cNvPicPr>
@@ -5219,17 +4785,184 @@
         </p:blipFill>
         <p:spPr>
           <a:xfrm>
-            <a:off x="253320" y="3284984"/>
-            <a:ext cx="3753374" cy="2534004"/>
+            <a:off x="179512" y="2708920"/>
+            <a:ext cx="2353003" cy="1038370"/>
           </a:xfrm>
           <a:prstGeom prst="rect">
             <a:avLst/>
           </a:prstGeom>
         </p:spPr>
       </p:pic>
+      <p:sp>
+        <p:nvSpPr>
+          <p:cNvPr id="2" name="제목 1"/>
+          <p:cNvSpPr>
+            <a:spLocks noGrp="1"/>
+          </p:cNvSpPr>
+          <p:nvPr>
+            <p:ph type="title"/>
+          </p:nvPr>
+        </p:nvSpPr>
+        <p:spPr/>
+        <p:txBody>
+          <a:bodyPr/>
+          <a:lstStyle/>
+          <a:p>
+            <a:r>
+              <a:rPr lang="en-US" altLang="ko-KR" dirty="0"/>
+              <a:t>CSS3 </a:t>
+            </a:r>
+            <a:r>
+              <a:rPr lang="ko-KR" altLang="en-US" dirty="0" err="1"/>
+              <a:t>선택자</a:t>
+            </a:r>
+            <a:r>
+              <a:rPr lang="ko-KR" altLang="en-US" dirty="0"/>
+              <a:t> 기본</a:t>
+            </a:r>
+            <a:r>
+              <a:rPr lang="en-US" altLang="ko-KR" dirty="0"/>
+              <a:t/>
+            </a:r>
+            <a:br>
+              <a:rPr lang="en-US" altLang="ko-KR" dirty="0"/>
+            </a:br>
+            <a:r>
+              <a:rPr lang="en-US" altLang="ko-KR" sz="2400" dirty="0"/>
+              <a:t>         </a:t>
+            </a:r>
+            <a:r>
+              <a:rPr lang="en-US" altLang="ko-KR" sz="2400" dirty="0" err="1"/>
+              <a:t>BootStrap</a:t>
+            </a:r>
+            <a:r>
+              <a:rPr lang="en-US" altLang="ko-KR" sz="2400" dirty="0"/>
+              <a:t> </a:t>
+            </a:r>
+            <a:r>
+              <a:rPr lang="ko-KR" altLang="en-US" sz="2400" dirty="0"/>
+              <a:t>활용하기</a:t>
+            </a:r>
+            <a:endParaRPr lang="ko-KR" altLang="en-US" dirty="0"/>
+          </a:p>
+        </p:txBody>
+      </p:sp>
+      <p:sp>
+        <p:nvSpPr>
+          <p:cNvPr id="3" name="내용 개체 틀 2"/>
+          <p:cNvSpPr>
+            <a:spLocks noGrp="1"/>
+          </p:cNvSpPr>
+          <p:nvPr>
+            <p:ph idx="1"/>
+          </p:nvPr>
+        </p:nvSpPr>
+        <p:spPr>
+          <a:xfrm>
+            <a:off x="457200" y="1600200"/>
+            <a:ext cx="8075240" cy="4800600"/>
+          </a:xfrm>
+        </p:spPr>
+        <p:txBody>
+          <a:bodyPr>
+            <a:normAutofit/>
+          </a:bodyPr>
+          <a:lstStyle/>
+          <a:p>
+            <a:r>
+              <a:rPr lang="en-US" altLang="ko-KR" sz="2400" dirty="0" smtClean="0"/>
+              <a:t>Grid </a:t>
+            </a:r>
+            <a:r>
+              <a:rPr lang="ko-KR" altLang="en-US" sz="2400" dirty="0" smtClean="0"/>
+              <a:t>시스템</a:t>
+            </a:r>
+          </a:p>
+          <a:p>
+            <a:pPr lvl="1"/>
+            <a:r>
+              <a:rPr lang="ko-KR" altLang="en-US" sz="1800" dirty="0" smtClean="0"/>
+              <a:t>한 줄을 </a:t>
+            </a:r>
+            <a:r>
+              <a:rPr lang="en-US" altLang="ko-KR" sz="1800" dirty="0" smtClean="0"/>
+              <a:t>12</a:t>
+            </a:r>
+            <a:r>
+              <a:rPr lang="ko-KR" altLang="en-US" sz="1800" dirty="0" smtClean="0"/>
+              <a:t>개의 열로 나누어 내용을 원하는 위치에 위치시킴</a:t>
+            </a:r>
+            <a:endParaRPr lang="en-US" altLang="ko-KR" sz="1800" dirty="0"/>
+          </a:p>
+          <a:p>
+            <a:pPr marL="777240" lvl="2" indent="0">
+              <a:buNone/>
+            </a:pPr>
+            <a:r>
+              <a:rPr lang="en-US" altLang="ko-KR" sz="1200" dirty="0" smtClean="0"/>
+              <a:t>※ 12</a:t>
+            </a:r>
+            <a:r>
+              <a:rPr lang="ko-KR" altLang="en-US" sz="1200" dirty="0" smtClean="0"/>
+              <a:t>로 나눈 이유 </a:t>
+            </a:r>
+            <a:r>
+              <a:rPr lang="en-US" altLang="ko-KR" sz="1200" dirty="0" smtClean="0"/>
+              <a:t>: 12</a:t>
+            </a:r>
+            <a:r>
+              <a:rPr lang="ko-KR" altLang="en-US" sz="1200" dirty="0" smtClean="0"/>
+              <a:t>가 약수가 많으므로</a:t>
+            </a:r>
+            <a:r>
+              <a:rPr lang="en-US" altLang="ko-KR" sz="1200" dirty="0" smtClean="0"/>
+              <a:t>(1,2,3,4,6,12) </a:t>
+            </a:r>
+            <a:r>
+              <a:rPr lang="ko-KR" altLang="en-US" sz="1200" dirty="0" smtClean="0"/>
+              <a:t>다양하게 칸을 나눌 수 있음</a:t>
+            </a:r>
+            <a:endParaRPr lang="en-US" altLang="ko-KR" sz="1800" dirty="0" smtClean="0"/>
+          </a:p>
+          <a:p>
+            <a:pPr marL="777240" lvl="2" indent="0">
+              <a:buNone/>
+            </a:pPr>
+            <a:r>
+              <a:rPr lang="en-US" altLang="ko-KR" sz="1200" dirty="0" smtClean="0"/>
+              <a:t>※ </a:t>
+            </a:r>
+            <a:r>
+              <a:rPr lang="en-US" altLang="ko-KR" sz="1200" dirty="0" err="1" smtClean="0"/>
+              <a:t>bootStrap</a:t>
+            </a:r>
+            <a:r>
+              <a:rPr lang="ko-KR" altLang="en-US" sz="1200" dirty="0" smtClean="0"/>
+              <a:t>없이 </a:t>
+            </a:r>
+            <a:r>
+              <a:rPr lang="en-US" altLang="ko-KR" sz="1200" dirty="0" err="1" smtClean="0"/>
+              <a:t>display:grid</a:t>
+            </a:r>
+            <a:r>
+              <a:rPr lang="ko-KR" altLang="en-US" sz="1200" dirty="0" smtClean="0"/>
+              <a:t>를 이용하여 </a:t>
+            </a:r>
+            <a:r>
+              <a:rPr lang="en-US" altLang="ko-KR" sz="1200" dirty="0" smtClean="0"/>
+              <a:t>Grid </a:t>
+            </a:r>
+            <a:r>
+              <a:rPr lang="ko-KR" altLang="en-US" sz="1200" dirty="0" smtClean="0"/>
+              <a:t>시스템 사용 가능 </a:t>
+            </a:r>
+            <a:endParaRPr lang="en-US" altLang="ko-KR" sz="1200" dirty="0"/>
+          </a:p>
+        </p:txBody>
+      </p:sp>
       <p:pic>
         <p:nvPicPr>
-          <p:cNvPr id="7" name="그림 6"/>
+          <p:cNvPr id="6" name="그림 5"/>
           <p:cNvPicPr>
             <a:picLocks noChangeAspect="1"/>
           </p:cNvPicPr>
@@ -5243,17 +4976,65 @@
         </p:blipFill>
         <p:spPr>
           <a:xfrm>
-            <a:off x="4192639" y="4005064"/>
-            <a:ext cx="4123777" cy="808303"/>
+            <a:off x="179512" y="3864245"/>
+            <a:ext cx="3365037" cy="2719117"/>
           </a:xfrm>
           <a:prstGeom prst="rect">
             <a:avLst/>
           </a:prstGeom>
         </p:spPr>
       </p:pic>
-      <p:sp>
-        <p:nvSpPr>
-          <p:cNvPr id="14" name="직사각형 13">
+      <p:pic>
+        <p:nvPicPr>
+          <p:cNvPr id="9" name="그림 8"/>
+          <p:cNvPicPr>
+            <a:picLocks noChangeAspect="1"/>
+          </p:cNvPicPr>
+          <p:nvPr/>
+        </p:nvPicPr>
+        <p:blipFill>
+          <a:blip r:embed="rId4"/>
+          <a:stretch>
+            <a:fillRect/>
+          </a:stretch>
+        </p:blipFill>
+        <p:spPr>
+          <a:xfrm>
+            <a:off x="3524333" y="4530221"/>
+            <a:ext cx="4891489" cy="412180"/>
+          </a:xfrm>
+          <a:prstGeom prst="rect">
+            <a:avLst/>
+          </a:prstGeom>
+        </p:spPr>
+      </p:pic>
+      <p:pic>
+        <p:nvPicPr>
+          <p:cNvPr id="10" name="그림 9"/>
+          <p:cNvPicPr>
+            <a:picLocks noChangeAspect="1"/>
+          </p:cNvPicPr>
+          <p:nvPr/>
+        </p:nvPicPr>
+        <p:blipFill>
+          <a:blip r:embed="rId5"/>
+          <a:stretch>
+            <a:fillRect/>
+          </a:stretch>
+        </p:blipFill>
+        <p:spPr>
+          <a:xfrm>
+            <a:off x="3707197" y="5295122"/>
+            <a:ext cx="4545977" cy="376478"/>
+          </a:xfrm>
+          <a:prstGeom prst="rect">
+            <a:avLst/>
+          </a:prstGeom>
+        </p:spPr>
+      </p:pic>
+      <p:sp>
+        <p:nvSpPr>
+          <p:cNvPr id="18" name="직사각형 17">
             <a:extLst>
               <a:ext uri="{FF2B5EF4-FFF2-40B4-BE49-F238E27FC236}">
                 <a16:creationId xmlns:a16="http://schemas.microsoft.com/office/drawing/2014/main" id="{D894240E-A948-42D6-A60F-4FEFB1977B17}"/>
@@ -5265,8 +5046,8 @@
         </p:nvSpPr>
         <p:spPr>
           <a:xfrm>
-            <a:off x="4202590" y="4220123"/>
-            <a:ext cx="1976777" cy="497402"/>
+            <a:off x="323528" y="4750142"/>
+            <a:ext cx="936104" cy="921458"/>
           </a:xfrm>
           <a:prstGeom prst="rect">
             <a:avLst/>
@@ -5306,7 +5087,7 @@
       </p:sp>
       <p:sp>
         <p:nvSpPr>
-          <p:cNvPr id="17" name="직사각형 16">
+          <p:cNvPr id="19" name="직사각형 18">
             <a:extLst>
               <a:ext uri="{FF2B5EF4-FFF2-40B4-BE49-F238E27FC236}">
                 <a16:creationId xmlns:a16="http://schemas.microsoft.com/office/drawing/2014/main" id="{D894240E-A948-42D6-A60F-4FEFB1977B17}"/>
@@ -5318,8 +5099,8 @@
         </p:nvSpPr>
         <p:spPr>
           <a:xfrm>
-            <a:off x="6254527" y="4220123"/>
-            <a:ext cx="1976777" cy="497402"/>
+            <a:off x="3569740" y="4686919"/>
+            <a:ext cx="4846081" cy="110233"/>
           </a:xfrm>
           <a:prstGeom prst="rect">
             <a:avLst/>
@@ -5327,7 +5108,7 @@
           <a:noFill/>
           <a:ln w="28575">
             <a:solidFill>
-              <a:srgbClr val="FFC000"/>
+              <a:srgbClr val="EC0C15"/>
             </a:solidFill>
             <a:miter lim="800000"/>
           </a:ln>
@@ -5359,7 +5140,7 @@
       </p:sp>
       <p:sp>
         <p:nvSpPr>
-          <p:cNvPr id="22" name="직사각형 21">
+          <p:cNvPr id="20" name="직사각형 19">
             <a:extLst>
               <a:ext uri="{FF2B5EF4-FFF2-40B4-BE49-F238E27FC236}">
                 <a16:creationId xmlns:a16="http://schemas.microsoft.com/office/drawing/2014/main" id="{D894240E-A948-42D6-A60F-4FEFB1977B17}"/>
@@ -5371,8 +5152,8 @@
         </p:nvSpPr>
         <p:spPr>
           <a:xfrm>
-            <a:off x="692720" y="4351038"/>
-            <a:ext cx="3313974" cy="497402"/>
+            <a:off x="5068436" y="5365508"/>
+            <a:ext cx="2685841" cy="144104"/>
           </a:xfrm>
           <a:prstGeom prst="rect">
             <a:avLst/>
@@ -5380,7 +5161,7 @@
           <a:noFill/>
           <a:ln w="28575">
             <a:solidFill>
-              <a:srgbClr val="EC0C15"/>
+              <a:srgbClr val="FFC000"/>
             </a:solidFill>
             <a:miter lim="800000"/>
           </a:ln>
@@ -5412,7 +5193,7 @@
       </p:sp>
       <p:sp>
         <p:nvSpPr>
-          <p:cNvPr id="24" name="직사각형 23">
+          <p:cNvPr id="21" name="직사각형 20">
             <a:extLst>
               <a:ext uri="{FF2B5EF4-FFF2-40B4-BE49-F238E27FC236}">
                 <a16:creationId xmlns:a16="http://schemas.microsoft.com/office/drawing/2014/main" id="{D894240E-A948-42D6-A60F-4FEFB1977B17}"/>
@@ -5424,8 +5205,8 @@
         </p:nvSpPr>
         <p:spPr>
           <a:xfrm>
-            <a:off x="692720" y="4941168"/>
-            <a:ext cx="3313974" cy="497402"/>
+            <a:off x="350561" y="5048512"/>
+            <a:ext cx="693048" cy="246610"/>
           </a:xfrm>
           <a:prstGeom prst="rect">
             <a:avLst/>
@@ -5466,7 +5247,7 @@
     </p:spTree>
     <p:extLst>
       <p:ext uri="{BB962C8B-B14F-4D97-AF65-F5344CB8AC3E}">
-        <p14:creationId xmlns:p14="http://schemas.microsoft.com/office/powerpoint/2010/main" val="1076287511"/>
+        <p14:creationId xmlns:p14="http://schemas.microsoft.com/office/powerpoint/2010/main" val="3547763728"/>
       </p:ext>
     </p:extLst>
   </p:cSld>
@@ -5578,31 +5359,140 @@
           <a:p>
             <a:r>
               <a:rPr lang="en-US" altLang="ko-KR" sz="2400" dirty="0" smtClean="0"/>
-              <a:t>Card</a:t>
-            </a:r>
-            <a:endParaRPr lang="ko-KR" altLang="en-US" sz="2400" dirty="0" smtClean="0"/>
+              <a:t>Grid </a:t>
+            </a:r>
+            <a:r>
+              <a:rPr lang="ko-KR" altLang="en-US" sz="2400" dirty="0" smtClean="0"/>
+              <a:t>시스템</a:t>
+            </a:r>
           </a:p>
           <a:p>
             <a:pPr lvl="1"/>
             <a:r>
               <a:rPr lang="ko-KR" altLang="en-US" sz="1800" dirty="0" smtClean="0"/>
-              <a:t>카드 형태로 된 레이아웃</a:t>
+              <a:t>한 줄을 </a:t>
+            </a:r>
+            <a:r>
+              <a:rPr lang="en-US" altLang="ko-KR" sz="1800" dirty="0" smtClean="0"/>
+              <a:t>12</a:t>
+            </a:r>
+            <a:r>
+              <a:rPr lang="ko-KR" altLang="en-US" sz="1800" dirty="0" smtClean="0"/>
+              <a:t>개의 열로 나누어 내용을 원하는 위치에 위치시킴</a:t>
+            </a:r>
+            <a:endParaRPr lang="en-US" altLang="ko-KR" sz="1800" dirty="0"/>
+          </a:p>
+          <a:p>
+            <a:pPr marL="777240" lvl="2" indent="0">
+              <a:buNone/>
+            </a:pPr>
+            <a:r>
+              <a:rPr lang="en-US" altLang="ko-KR" sz="1200" dirty="0"/>
+              <a:t>※ </a:t>
+            </a:r>
+            <a:r>
+              <a:rPr lang="en-US" altLang="ko-KR" sz="1200" dirty="0" err="1"/>
+              <a:t>bootStrap</a:t>
+            </a:r>
+            <a:r>
+              <a:rPr lang="ko-KR" altLang="en-US" sz="1200" dirty="0"/>
+              <a:t>없이 </a:t>
+            </a:r>
+            <a:r>
+              <a:rPr lang="en-US" altLang="ko-KR" sz="1200" dirty="0" err="1"/>
+              <a:t>display:grid</a:t>
+            </a:r>
+            <a:r>
+              <a:rPr lang="ko-KR" altLang="en-US" sz="1200" dirty="0"/>
+              <a:t>를 이용하여 </a:t>
+            </a:r>
+            <a:r>
+              <a:rPr lang="en-US" altLang="ko-KR" sz="1200" dirty="0"/>
+              <a:t>Grid </a:t>
+            </a:r>
+            <a:r>
+              <a:rPr lang="ko-KR" altLang="en-US" sz="1200" dirty="0"/>
+              <a:t>시스템 사용 가능 </a:t>
             </a:r>
             <a:endParaRPr lang="en-US" altLang="ko-KR" sz="1800" dirty="0" smtClean="0"/>
           </a:p>
           <a:p>
             <a:pPr lvl="1"/>
             <a:r>
+              <a:rPr lang="en-US" altLang="ko-KR" sz="1800" dirty="0" smtClean="0"/>
+              <a:t>Row : </a:t>
+            </a:r>
+            <a:r>
               <a:rPr lang="ko-KR" altLang="en-US" sz="1800" dirty="0" smtClean="0"/>
-              <a:t>목록 요소들에 제목을 달고 싶을 때 </a:t>
+              <a:t>한 줄</a:t>
             </a:r>
             <a:r>
               <a:rPr lang="en-US" altLang="ko-KR" sz="1800" dirty="0" smtClean="0"/>
-              <a:t>card </a:t>
+              <a:t>(</a:t>
             </a:r>
             <a:r>
               <a:rPr lang="ko-KR" altLang="en-US" sz="1800" dirty="0" smtClean="0"/>
-              <a:t>클래스 사용</a:t>
+              <a:t>행</a:t>
+            </a:r>
+            <a:r>
+              <a:rPr lang="en-US" altLang="ko-KR" sz="1800" dirty="0" smtClean="0"/>
+              <a:t>)</a:t>
+            </a:r>
+            <a:r>
+              <a:rPr lang="ko-KR" altLang="en-US" sz="1800" dirty="0" smtClean="0"/>
+              <a:t>을 의미하며 </a:t>
+            </a:r>
+            <a:r>
+              <a:rPr lang="en-US" altLang="ko-KR" sz="1800" dirty="0" smtClean="0"/>
+              <a:t>Grid </a:t>
+            </a:r>
+            <a:r>
+              <a:rPr lang="ko-KR" altLang="en-US" sz="1800" dirty="0" smtClean="0"/>
+              <a:t>시스템을 적용시키려면 </a:t>
+            </a:r>
+            <a:r>
+              <a:rPr lang="en-US" altLang="ko-KR" sz="1800" dirty="0" smtClean="0"/>
+              <a:t>row</a:t>
+            </a:r>
+            <a:r>
+              <a:rPr lang="ko-KR" altLang="en-US" sz="1800" dirty="0" smtClean="0"/>
+              <a:t>로 감싸야 함</a:t>
+            </a:r>
+            <a:endParaRPr lang="en-US" altLang="ko-KR" sz="1800" dirty="0" smtClean="0"/>
+          </a:p>
+          <a:p>
+            <a:pPr lvl="1"/>
+            <a:r>
+              <a:rPr lang="en-US" altLang="ko-KR" sz="1800" dirty="0" smtClean="0"/>
+              <a:t>Col : </a:t>
+            </a:r>
+            <a:r>
+              <a:rPr lang="ko-KR" altLang="en-US" sz="1800" dirty="0" smtClean="0"/>
+              <a:t>열을 의미하며 </a:t>
+            </a:r>
+            <a:r>
+              <a:rPr lang="en-US" altLang="ko-KR" sz="1800" dirty="0" smtClean="0"/>
+              <a:t>col-6</a:t>
+            </a:r>
+            <a:r>
+              <a:rPr lang="ko-KR" altLang="en-US" sz="1800" dirty="0" smtClean="0"/>
+              <a:t>이면 </a:t>
+            </a:r>
+            <a:r>
+              <a:rPr lang="en-US" altLang="ko-KR" sz="1800" dirty="0" smtClean="0"/>
+              <a:t>12</a:t>
+            </a:r>
+            <a:r>
+              <a:rPr lang="ko-KR" altLang="en-US" sz="1800" dirty="0" smtClean="0"/>
+              <a:t>칸 중 </a:t>
+            </a:r>
+            <a:r>
+              <a:rPr lang="en-US" altLang="ko-KR" sz="1800" dirty="0" smtClean="0"/>
+              <a:t>6</a:t>
+            </a:r>
+            <a:r>
+              <a:rPr lang="ko-KR" altLang="en-US" sz="1800" dirty="0" smtClean="0"/>
+              <a:t>칸을 차지하겠다는 것을 의미</a:t>
             </a:r>
             <a:endParaRPr lang="en-US" altLang="ko-KR" sz="1200" dirty="0" smtClean="0"/>
           </a:p>
@@ -5610,7 +5500,7 @@
       </p:sp>
       <p:pic>
         <p:nvPicPr>
-          <p:cNvPr id="4" name="그림 3"/>
+          <p:cNvPr id="5" name="그림 4"/>
           <p:cNvPicPr>
             <a:picLocks noChangeAspect="1"/>
           </p:cNvPicPr>
@@ -5624,8 +5514,8 @@
         </p:blipFill>
         <p:spPr>
           <a:xfrm>
-            <a:off x="539552" y="2852936"/>
-            <a:ext cx="2810267" cy="866896"/>
+            <a:off x="253320" y="3284984"/>
+            <a:ext cx="3753374" cy="2534004"/>
           </a:xfrm>
           <a:prstGeom prst="rect">
             <a:avLst/>
@@ -5634,7 +5524,7 @@
       </p:pic>
       <p:pic>
         <p:nvPicPr>
-          <p:cNvPr id="6" name="그림 5"/>
+          <p:cNvPr id="7" name="그림 6"/>
           <p:cNvPicPr>
             <a:picLocks noChangeAspect="1"/>
           </p:cNvPicPr>
@@ -5648,18 +5538,230 @@
         </p:blipFill>
         <p:spPr>
           <a:xfrm>
-            <a:off x="3635896" y="2749889"/>
-            <a:ext cx="3816424" cy="3045972"/>
+            <a:off x="4192639" y="4005064"/>
+            <a:ext cx="4123777" cy="808303"/>
           </a:xfrm>
           <a:prstGeom prst="rect">
             <a:avLst/>
           </a:prstGeom>
         </p:spPr>
       </p:pic>
+      <p:sp>
+        <p:nvSpPr>
+          <p:cNvPr id="14" name="직사각형 13">
+            <a:extLst>
+              <a:ext uri="{FF2B5EF4-FFF2-40B4-BE49-F238E27FC236}">
+                <a16:creationId xmlns:a16="http://schemas.microsoft.com/office/drawing/2014/main" id="{D894240E-A948-42D6-A60F-4FEFB1977B17}"/>
+              </a:ext>
+            </a:extLst>
+          </p:cNvPr>
+          <p:cNvSpPr/>
+          <p:nvPr/>
+        </p:nvSpPr>
+        <p:spPr>
+          <a:xfrm>
+            <a:off x="4202590" y="4220123"/>
+            <a:ext cx="1976777" cy="497402"/>
+          </a:xfrm>
+          <a:prstGeom prst="rect">
+            <a:avLst/>
+          </a:prstGeom>
+          <a:noFill/>
+          <a:ln w="28575">
+            <a:solidFill>
+              <a:srgbClr val="EC0C15"/>
+            </a:solidFill>
+            <a:miter lim="800000"/>
+          </a:ln>
+        </p:spPr>
+        <p:style>
+          <a:lnRef idx="2">
+            <a:schemeClr val="accent1">
+              <a:shade val="50000"/>
+            </a:schemeClr>
+          </a:lnRef>
+          <a:fillRef idx="1">
+            <a:schemeClr val="accent1"/>
+          </a:fillRef>
+          <a:effectRef idx="0">
+            <a:schemeClr val="accent1"/>
+          </a:effectRef>
+          <a:fontRef idx="minor">
+            <a:schemeClr val="lt1"/>
+          </a:fontRef>
+        </p:style>
+        <p:txBody>
+          <a:bodyPr rtlCol="0" anchor="ctr"/>
+          <a:lstStyle/>
+          <a:p>
+            <a:pPr algn="ctr"/>
+            <a:endParaRPr lang="ko-KR" altLang="en-US"/>
+          </a:p>
+        </p:txBody>
+      </p:sp>
+      <p:sp>
+        <p:nvSpPr>
+          <p:cNvPr id="17" name="직사각형 16">
+            <a:extLst>
+              <a:ext uri="{FF2B5EF4-FFF2-40B4-BE49-F238E27FC236}">
+                <a16:creationId xmlns:a16="http://schemas.microsoft.com/office/drawing/2014/main" id="{D894240E-A948-42D6-A60F-4FEFB1977B17}"/>
+              </a:ext>
+            </a:extLst>
+          </p:cNvPr>
+          <p:cNvSpPr/>
+          <p:nvPr/>
+        </p:nvSpPr>
+        <p:spPr>
+          <a:xfrm>
+            <a:off x="6254527" y="4220123"/>
+            <a:ext cx="1976777" cy="497402"/>
+          </a:xfrm>
+          <a:prstGeom prst="rect">
+            <a:avLst/>
+          </a:prstGeom>
+          <a:noFill/>
+          <a:ln w="28575">
+            <a:solidFill>
+              <a:srgbClr val="FFC000"/>
+            </a:solidFill>
+            <a:miter lim="800000"/>
+          </a:ln>
+        </p:spPr>
+        <p:style>
+          <a:lnRef idx="2">
+            <a:schemeClr val="accent1">
+              <a:shade val="50000"/>
+            </a:schemeClr>
+          </a:lnRef>
+          <a:fillRef idx="1">
+            <a:schemeClr val="accent1"/>
+          </a:fillRef>
+          <a:effectRef idx="0">
+            <a:schemeClr val="accent1"/>
+          </a:effectRef>
+          <a:fontRef idx="minor">
+            <a:schemeClr val="lt1"/>
+          </a:fontRef>
+        </p:style>
+        <p:txBody>
+          <a:bodyPr rtlCol="0" anchor="ctr"/>
+          <a:lstStyle/>
+          <a:p>
+            <a:pPr algn="ctr"/>
+            <a:endParaRPr lang="ko-KR" altLang="en-US"/>
+          </a:p>
+        </p:txBody>
+      </p:sp>
+      <p:sp>
+        <p:nvSpPr>
+          <p:cNvPr id="22" name="직사각형 21">
+            <a:extLst>
+              <a:ext uri="{FF2B5EF4-FFF2-40B4-BE49-F238E27FC236}">
+                <a16:creationId xmlns:a16="http://schemas.microsoft.com/office/drawing/2014/main" id="{D894240E-A948-42D6-A60F-4FEFB1977B17}"/>
+              </a:ext>
+            </a:extLst>
+          </p:cNvPr>
+          <p:cNvSpPr/>
+          <p:nvPr/>
+        </p:nvSpPr>
+        <p:spPr>
+          <a:xfrm>
+            <a:off x="692720" y="4351038"/>
+            <a:ext cx="3313974" cy="497402"/>
+          </a:xfrm>
+          <a:prstGeom prst="rect">
+            <a:avLst/>
+          </a:prstGeom>
+          <a:noFill/>
+          <a:ln w="28575">
+            <a:solidFill>
+              <a:srgbClr val="EC0C15"/>
+            </a:solidFill>
+            <a:miter lim="800000"/>
+          </a:ln>
+        </p:spPr>
+        <p:style>
+          <a:lnRef idx="2">
+            <a:schemeClr val="accent1">
+              <a:shade val="50000"/>
+            </a:schemeClr>
+          </a:lnRef>
+          <a:fillRef idx="1">
+            <a:schemeClr val="accent1"/>
+          </a:fillRef>
+          <a:effectRef idx="0">
+            <a:schemeClr val="accent1"/>
+          </a:effectRef>
+          <a:fontRef idx="minor">
+            <a:schemeClr val="lt1"/>
+          </a:fontRef>
+        </p:style>
+        <p:txBody>
+          <a:bodyPr rtlCol="0" anchor="ctr"/>
+          <a:lstStyle/>
+          <a:p>
+            <a:pPr algn="ctr"/>
+            <a:endParaRPr lang="ko-KR" altLang="en-US"/>
+          </a:p>
+        </p:txBody>
+      </p:sp>
+      <p:sp>
+        <p:nvSpPr>
+          <p:cNvPr id="24" name="직사각형 23">
+            <a:extLst>
+              <a:ext uri="{FF2B5EF4-FFF2-40B4-BE49-F238E27FC236}">
+                <a16:creationId xmlns:a16="http://schemas.microsoft.com/office/drawing/2014/main" id="{D894240E-A948-42D6-A60F-4FEFB1977B17}"/>
+              </a:ext>
+            </a:extLst>
+          </p:cNvPr>
+          <p:cNvSpPr/>
+          <p:nvPr/>
+        </p:nvSpPr>
+        <p:spPr>
+          <a:xfrm>
+            <a:off x="692720" y="4941168"/>
+            <a:ext cx="3313974" cy="497402"/>
+          </a:xfrm>
+          <a:prstGeom prst="rect">
+            <a:avLst/>
+          </a:prstGeom>
+          <a:noFill/>
+          <a:ln w="28575">
+            <a:solidFill>
+              <a:srgbClr val="FFC000"/>
+            </a:solidFill>
+            <a:miter lim="800000"/>
+          </a:ln>
+        </p:spPr>
+        <p:style>
+          <a:lnRef idx="2">
+            <a:schemeClr val="accent1">
+              <a:shade val="50000"/>
+            </a:schemeClr>
+          </a:lnRef>
+          <a:fillRef idx="1">
+            <a:schemeClr val="accent1"/>
+          </a:fillRef>
+          <a:effectRef idx="0">
+            <a:schemeClr val="accent1"/>
+          </a:effectRef>
+          <a:fontRef idx="minor">
+            <a:schemeClr val="lt1"/>
+          </a:fontRef>
+        </p:style>
+        <p:txBody>
+          <a:bodyPr rtlCol="0" anchor="ctr"/>
+          <a:lstStyle/>
+          <a:p>
+            <a:pPr algn="ctr"/>
+            <a:endParaRPr lang="ko-KR" altLang="en-US"/>
+          </a:p>
+        </p:txBody>
+      </p:sp>
     </p:spTree>
     <p:extLst>
       <p:ext uri="{BB962C8B-B14F-4D97-AF65-F5344CB8AC3E}">
-        <p14:creationId xmlns:p14="http://schemas.microsoft.com/office/powerpoint/2010/main" val="2521216392"/>
+        <p14:creationId xmlns:p14="http://schemas.microsoft.com/office/powerpoint/2010/main" val="1076287511"/>
       </p:ext>
     </p:extLst>
   </p:cSld>
@@ -5778,60 +5880,24 @@
           <a:p>
             <a:pPr lvl="1"/>
             <a:r>
-              <a:rPr lang="en-US" altLang="ko-KR" sz="1200" dirty="0" err="1" smtClean="0"/>
-              <a:t>btn</a:t>
-            </a:r>
-            <a:r>
-              <a:rPr lang="en-US" altLang="ko-KR" sz="1200" dirty="0" smtClean="0"/>
-              <a:t> class : </a:t>
-            </a:r>
-            <a:r>
-              <a:rPr lang="ko-KR" altLang="en-US" sz="1200" dirty="0" smtClean="0"/>
-              <a:t>버튼 모양 구현</a:t>
-            </a:r>
-            <a:endParaRPr lang="en-US" altLang="ko-KR" sz="1200" dirty="0" smtClean="0"/>
+              <a:rPr lang="ko-KR" altLang="en-US" sz="1800" dirty="0" smtClean="0"/>
+              <a:t>카드 형태로 된 레이아웃</a:t>
+            </a:r>
+            <a:endParaRPr lang="en-US" altLang="ko-KR" sz="1800" dirty="0" smtClean="0"/>
           </a:p>
           <a:p>
             <a:pPr lvl="1"/>
             <a:r>
-              <a:rPr lang="en-US" altLang="ko-KR" sz="1200" dirty="0" err="1" smtClean="0"/>
-              <a:t>btn</a:t>
-            </a:r>
-            <a:r>
-              <a:rPr lang="en-US" altLang="ko-KR" sz="1200" dirty="0" smtClean="0"/>
-              <a:t>-primary : </a:t>
-            </a:r>
-            <a:r>
-              <a:rPr lang="ko-KR" altLang="en-US" sz="1200" dirty="0" smtClean="0"/>
-              <a:t>파란색 버튼</a:t>
-            </a:r>
-            <a:endParaRPr lang="en-US" altLang="ko-KR" sz="1200" dirty="0" smtClean="0"/>
-          </a:p>
-          <a:p>
-            <a:pPr lvl="1"/>
-            <a:r>
-              <a:rPr lang="en-US" altLang="ko-KR" sz="1200" dirty="0" err="1" smtClean="0"/>
-              <a:t>src</a:t>
-            </a:r>
-            <a:r>
-              <a:rPr lang="en-US" altLang="ko-KR" sz="1200" dirty="0" smtClean="0"/>
-              <a:t> </a:t>
-            </a:r>
-            <a:r>
-              <a:rPr lang="ko-KR" altLang="en-US" sz="1200" dirty="0" smtClean="0"/>
-              <a:t>부분에 적절한 이미지 주소 삽입</a:t>
-            </a:r>
-            <a:endParaRPr lang="en-US" altLang="ko-KR" sz="1200" dirty="0" smtClean="0"/>
-          </a:p>
-          <a:p>
-            <a:pPr lvl="1"/>
-            <a:r>
-              <a:rPr lang="en-US" altLang="ko-KR" sz="1200" dirty="0" smtClean="0"/>
-              <a:t>Style </a:t>
-            </a:r>
-            <a:r>
-              <a:rPr lang="ko-KR" altLang="en-US" sz="1200" dirty="0" smtClean="0"/>
-              <a:t>부분은 수정하거나 삭제해도 됨</a:t>
+              <a:rPr lang="ko-KR" altLang="en-US" sz="1800" dirty="0" smtClean="0"/>
+              <a:t>목록 요소들에 제목을 달고 싶을 때 </a:t>
+            </a:r>
+            <a:r>
+              <a:rPr lang="en-US" altLang="ko-KR" sz="1800" dirty="0" smtClean="0"/>
+              <a:t>card </a:t>
+            </a:r>
+            <a:r>
+              <a:rPr lang="ko-KR" altLang="en-US" sz="1800" dirty="0" smtClean="0"/>
+              <a:t>클래스 사용</a:t>
             </a:r>
             <a:endParaRPr lang="en-US" altLang="ko-KR" sz="1200" dirty="0" smtClean="0"/>
           </a:p>
@@ -5839,7 +5905,7 @@
       </p:sp>
       <p:pic>
         <p:nvPicPr>
-          <p:cNvPr id="5" name="그림 4"/>
+          <p:cNvPr id="4" name="그림 3"/>
           <p:cNvPicPr>
             <a:picLocks noChangeAspect="1"/>
           </p:cNvPicPr>
@@ -5853,8 +5919,8 @@
         </p:blipFill>
         <p:spPr>
           <a:xfrm>
-            <a:off x="548445" y="3438242"/>
-            <a:ext cx="3717887" cy="864096"/>
+            <a:off x="539552" y="2852936"/>
+            <a:ext cx="2810267" cy="866896"/>
           </a:xfrm>
           <a:prstGeom prst="rect">
             <a:avLst/>
@@ -5863,7 +5929,7 @@
       </p:pic>
       <p:pic>
         <p:nvPicPr>
-          <p:cNvPr id="7" name="그림 6"/>
+          <p:cNvPr id="6" name="그림 5"/>
           <p:cNvPicPr>
             <a:picLocks noChangeAspect="1"/>
           </p:cNvPicPr>
@@ -5877,177 +5943,18 @@
         </p:blipFill>
         <p:spPr>
           <a:xfrm>
-            <a:off x="4855316" y="1988840"/>
-            <a:ext cx="2791215" cy="3762900"/>
+            <a:off x="3635896" y="2749889"/>
+            <a:ext cx="3816424" cy="3045972"/>
           </a:xfrm>
           <a:prstGeom prst="rect">
             <a:avLst/>
           </a:prstGeom>
         </p:spPr>
       </p:pic>
-      <p:sp>
-        <p:nvSpPr>
-          <p:cNvPr id="8" name="직사각형 7">
-            <a:extLst>
-              <a:ext uri="{FF2B5EF4-FFF2-40B4-BE49-F238E27FC236}">
-                <a16:creationId xmlns:a16="http://schemas.microsoft.com/office/drawing/2014/main" id="{D894240E-A948-42D6-A60F-4FEFB1977B17}"/>
-              </a:ext>
-            </a:extLst>
-          </p:cNvPr>
-          <p:cNvSpPr/>
-          <p:nvPr/>
-        </p:nvSpPr>
-        <p:spPr>
-          <a:xfrm>
-            <a:off x="1259633" y="3987498"/>
-            <a:ext cx="1027162" cy="102274"/>
-          </a:xfrm>
-          <a:prstGeom prst="rect">
-            <a:avLst/>
-          </a:prstGeom>
-          <a:noFill/>
-          <a:ln w="28575">
-            <a:solidFill>
-              <a:srgbClr val="EC0C15"/>
-            </a:solidFill>
-            <a:miter lim="800000"/>
-          </a:ln>
-        </p:spPr>
-        <p:style>
-          <a:lnRef idx="2">
-            <a:schemeClr val="accent1">
-              <a:shade val="50000"/>
-            </a:schemeClr>
-          </a:lnRef>
-          <a:fillRef idx="1">
-            <a:schemeClr val="accent1"/>
-          </a:fillRef>
-          <a:effectRef idx="0">
-            <a:schemeClr val="accent1"/>
-          </a:effectRef>
-          <a:fontRef idx="minor">
-            <a:schemeClr val="lt1"/>
-          </a:fontRef>
-        </p:style>
-        <p:txBody>
-          <a:bodyPr rtlCol="0" anchor="ctr"/>
-          <a:lstStyle/>
-          <a:p>
-            <a:pPr algn="ctr"/>
-            <a:endParaRPr lang="ko-KR" altLang="en-US"/>
-          </a:p>
-        </p:txBody>
-      </p:sp>
-      <p:sp>
-        <p:nvSpPr>
-          <p:cNvPr id="9" name="직사각형 8">
-            <a:extLst>
-              <a:ext uri="{FF2B5EF4-FFF2-40B4-BE49-F238E27FC236}">
-                <a16:creationId xmlns:a16="http://schemas.microsoft.com/office/drawing/2014/main" id="{D894240E-A948-42D6-A60F-4FEFB1977B17}"/>
-              </a:ext>
-            </a:extLst>
-          </p:cNvPr>
-          <p:cNvSpPr/>
-          <p:nvPr/>
-        </p:nvSpPr>
-        <p:spPr>
-          <a:xfrm>
-            <a:off x="846634" y="3553109"/>
-            <a:ext cx="1872208" cy="91916"/>
-          </a:xfrm>
-          <a:prstGeom prst="rect">
-            <a:avLst/>
-          </a:prstGeom>
-          <a:noFill/>
-          <a:ln w="28575">
-            <a:solidFill>
-              <a:srgbClr val="EC0C15"/>
-            </a:solidFill>
-            <a:miter lim="800000"/>
-          </a:ln>
-        </p:spPr>
-        <p:style>
-          <a:lnRef idx="2">
-            <a:schemeClr val="accent1">
-              <a:shade val="50000"/>
-            </a:schemeClr>
-          </a:lnRef>
-          <a:fillRef idx="1">
-            <a:schemeClr val="accent1"/>
-          </a:fillRef>
-          <a:effectRef idx="0">
-            <a:schemeClr val="accent1"/>
-          </a:effectRef>
-          <a:fontRef idx="minor">
-            <a:schemeClr val="lt1"/>
-          </a:fontRef>
-        </p:style>
-        <p:txBody>
-          <a:bodyPr rtlCol="0" anchor="ctr"/>
-          <a:lstStyle/>
-          <a:p>
-            <a:pPr algn="ctr"/>
-            <a:endParaRPr lang="ko-KR" altLang="en-US"/>
-          </a:p>
-        </p:txBody>
-      </p:sp>
-      <p:sp>
-        <p:nvSpPr>
-          <p:cNvPr id="10" name="직사각형 9">
-            <a:extLst>
-              <a:ext uri="{FF2B5EF4-FFF2-40B4-BE49-F238E27FC236}">
-                <a16:creationId xmlns:a16="http://schemas.microsoft.com/office/drawing/2014/main" id="{D894240E-A948-42D6-A60F-4FEFB1977B17}"/>
-              </a:ext>
-            </a:extLst>
-          </p:cNvPr>
-          <p:cNvSpPr/>
-          <p:nvPr/>
-        </p:nvSpPr>
-        <p:spPr>
-          <a:xfrm>
-            <a:off x="1321340" y="3395536"/>
-            <a:ext cx="965456" cy="157573"/>
-          </a:xfrm>
-          <a:prstGeom prst="rect">
-            <a:avLst/>
-          </a:prstGeom>
-          <a:noFill/>
-          <a:ln w="28575">
-            <a:solidFill>
-              <a:srgbClr val="EC0C15"/>
-            </a:solidFill>
-            <a:miter lim="800000"/>
-          </a:ln>
-        </p:spPr>
-        <p:style>
-          <a:lnRef idx="2">
-            <a:schemeClr val="accent1">
-              <a:shade val="50000"/>
-            </a:schemeClr>
-          </a:lnRef>
-          <a:fillRef idx="1">
-            <a:schemeClr val="accent1"/>
-          </a:fillRef>
-          <a:effectRef idx="0">
-            <a:schemeClr val="accent1"/>
-          </a:effectRef>
-          <a:fontRef idx="minor">
-            <a:schemeClr val="lt1"/>
-          </a:fontRef>
-        </p:style>
-        <p:txBody>
-          <a:bodyPr rtlCol="0" anchor="ctr"/>
-          <a:lstStyle/>
-          <a:p>
-            <a:pPr algn="ctr"/>
-            <a:endParaRPr lang="ko-KR" altLang="en-US"/>
-          </a:p>
-        </p:txBody>
-      </p:sp>
     </p:spTree>
     <p:extLst>
       <p:ext uri="{BB962C8B-B14F-4D97-AF65-F5344CB8AC3E}">
-        <p14:creationId xmlns:p14="http://schemas.microsoft.com/office/powerpoint/2010/main" val="3346990003"/>
+        <p14:creationId xmlns:p14="http://schemas.microsoft.com/office/powerpoint/2010/main" val="2521216392"/>
       </p:ext>
     </p:extLst>
   </p:cSld>
@@ -6158,52 +6065,100 @@
           <a:lstStyle/>
           <a:p>
             <a:r>
-              <a:rPr lang="ko-KR" altLang="en-US" sz="2400" dirty="0"/>
-              <a:t>실습</a:t>
-            </a:r>
-            <a:r>
-              <a:rPr lang="en-US" altLang="ko-KR" sz="2400" dirty="0"/>
-              <a:t>1 : </a:t>
-            </a:r>
-            <a:r>
-              <a:rPr lang="en-US" altLang="ko-KR" sz="2400" dirty="0" err="1"/>
-              <a:t>BootStrap</a:t>
-            </a:r>
-            <a:r>
-              <a:rPr lang="en-US" altLang="ko-KR" sz="2400" dirty="0"/>
+              <a:rPr lang="en-US" altLang="ko-KR" sz="2400" dirty="0" smtClean="0"/>
+              <a:t>Card</a:t>
+            </a:r>
+            <a:endParaRPr lang="ko-KR" altLang="en-US" sz="2400" dirty="0" smtClean="0"/>
+          </a:p>
+          <a:p>
+            <a:pPr lvl="1"/>
+            <a:r>
+              <a:rPr lang="en-US" altLang="ko-KR" sz="1200" dirty="0" err="1" smtClean="0"/>
+              <a:t>btn</a:t>
+            </a:r>
+            <a:r>
+              <a:rPr lang="en-US" altLang="ko-KR" sz="1200" dirty="0" smtClean="0"/>
+              <a:t> class : </a:t>
+            </a:r>
+            <a:r>
+              <a:rPr lang="ko-KR" altLang="en-US" sz="1200" dirty="0" smtClean="0"/>
+              <a:t>버튼 모양 구현</a:t>
+            </a:r>
+            <a:endParaRPr lang="en-US" altLang="ko-KR" sz="1200" dirty="0" smtClean="0"/>
+          </a:p>
+          <a:p>
+            <a:pPr lvl="1"/>
+            <a:r>
+              <a:rPr lang="en-US" altLang="ko-KR" sz="1200" dirty="0" err="1" smtClean="0"/>
+              <a:t>btn</a:t>
+            </a:r>
+            <a:r>
+              <a:rPr lang="en-US" altLang="ko-KR" sz="1200" dirty="0" smtClean="0"/>
+              <a:t>-primary : </a:t>
+            </a:r>
+            <a:r>
+              <a:rPr lang="ko-KR" altLang="en-US" sz="1200" dirty="0" smtClean="0"/>
+              <a:t>파란색 버튼</a:t>
+            </a:r>
+            <a:endParaRPr lang="en-US" altLang="ko-KR" sz="1200" dirty="0" smtClean="0"/>
+          </a:p>
+          <a:p>
+            <a:pPr lvl="1"/>
+            <a:r>
+              <a:rPr lang="en-US" altLang="ko-KR" sz="1200" dirty="0" err="1" smtClean="0"/>
+              <a:t>src</a:t>
+            </a:r>
+            <a:r>
+              <a:rPr lang="en-US" altLang="ko-KR" sz="1200" dirty="0" smtClean="0"/>
               <a:t> </a:t>
             </a:r>
             <a:r>
-              <a:rPr lang="ko-KR" altLang="en-US" sz="2400" dirty="0" err="1" smtClean="0"/>
-              <a:t>적용페이지</a:t>
-            </a:r>
-            <a:endParaRPr lang="en-US" altLang="ko-KR" sz="2400" dirty="0" smtClean="0"/>
+              <a:rPr lang="ko-KR" altLang="en-US" sz="1200" dirty="0" smtClean="0"/>
+              <a:t>부분에 적절한 이미지 주소 삽입</a:t>
+            </a:r>
+            <a:endParaRPr lang="en-US" altLang="ko-KR" sz="1200" dirty="0" smtClean="0"/>
           </a:p>
           <a:p>
             <a:pPr lvl="1"/>
             <a:r>
-              <a:rPr lang="en-US" altLang="ko-KR" sz="2200" dirty="0">
-                <a:hlinkClick r:id="rId2"/>
-              </a:rPr>
-              <a:t>https://</a:t>
-            </a:r>
-            <a:r>
-              <a:rPr lang="en-US" altLang="ko-KR" sz="2200" dirty="0" smtClean="0">
-                <a:hlinkClick r:id="rId2"/>
-              </a:rPr>
-              <a:t>dongjoonleedj.github.io/TypeYourRepositoryName/HTMLPage_bootStrap_Sample1.html</a:t>
-            </a:r>
-            <a:r>
-              <a:rPr lang="en-US" altLang="ko-KR" sz="2200" dirty="0" smtClean="0"/>
-              <a:t> </a:t>
-            </a:r>
-            <a:endParaRPr lang="ko-KR" altLang="en-US" sz="2200" dirty="0" smtClean="0"/>
+              <a:rPr lang="en-US" altLang="ko-KR" sz="1200" dirty="0" smtClean="0"/>
+              <a:t>Style </a:t>
+            </a:r>
+            <a:r>
+              <a:rPr lang="ko-KR" altLang="en-US" sz="1200" dirty="0" smtClean="0"/>
+              <a:t>부분은 수정하거나 삭제해도 됨</a:t>
+            </a:r>
+            <a:endParaRPr lang="en-US" altLang="ko-KR" sz="1200" dirty="0" smtClean="0"/>
           </a:p>
         </p:txBody>
       </p:sp>
       <p:pic>
         <p:nvPicPr>
-          <p:cNvPr id="4" name="그림 3"/>
+          <p:cNvPr id="5" name="그림 4"/>
+          <p:cNvPicPr>
+            <a:picLocks noChangeAspect="1"/>
+          </p:cNvPicPr>
+          <p:nvPr/>
+        </p:nvPicPr>
+        <p:blipFill>
+          <a:blip r:embed="rId2"/>
+          <a:stretch>
+            <a:fillRect/>
+          </a:stretch>
+        </p:blipFill>
+        <p:spPr>
+          <a:xfrm>
+            <a:off x="548445" y="3438242"/>
+            <a:ext cx="3717887" cy="864096"/>
+          </a:xfrm>
+          <a:prstGeom prst="rect">
+            <a:avLst/>
+          </a:prstGeom>
+        </p:spPr>
+      </p:pic>
+      <p:pic>
+        <p:nvPicPr>
+          <p:cNvPr id="7" name="그림 6"/>
           <p:cNvPicPr>
             <a:picLocks noChangeAspect="1"/>
           </p:cNvPicPr>
@@ -6217,18 +6172,177 @@
         </p:blipFill>
         <p:spPr>
           <a:xfrm>
-            <a:off x="899592" y="2832343"/>
-            <a:ext cx="5112568" cy="3751019"/>
+            <a:off x="4855316" y="1988840"/>
+            <a:ext cx="2791215" cy="3762900"/>
           </a:xfrm>
           <a:prstGeom prst="rect">
             <a:avLst/>
           </a:prstGeom>
         </p:spPr>
       </p:pic>
+      <p:sp>
+        <p:nvSpPr>
+          <p:cNvPr id="8" name="직사각형 7">
+            <a:extLst>
+              <a:ext uri="{FF2B5EF4-FFF2-40B4-BE49-F238E27FC236}">
+                <a16:creationId xmlns:a16="http://schemas.microsoft.com/office/drawing/2014/main" id="{D894240E-A948-42D6-A60F-4FEFB1977B17}"/>
+              </a:ext>
+            </a:extLst>
+          </p:cNvPr>
+          <p:cNvSpPr/>
+          <p:nvPr/>
+        </p:nvSpPr>
+        <p:spPr>
+          <a:xfrm>
+            <a:off x="1259633" y="3987498"/>
+            <a:ext cx="1027162" cy="102274"/>
+          </a:xfrm>
+          <a:prstGeom prst="rect">
+            <a:avLst/>
+          </a:prstGeom>
+          <a:noFill/>
+          <a:ln w="28575">
+            <a:solidFill>
+              <a:srgbClr val="EC0C15"/>
+            </a:solidFill>
+            <a:miter lim="800000"/>
+          </a:ln>
+        </p:spPr>
+        <p:style>
+          <a:lnRef idx="2">
+            <a:schemeClr val="accent1">
+              <a:shade val="50000"/>
+            </a:schemeClr>
+          </a:lnRef>
+          <a:fillRef idx="1">
+            <a:schemeClr val="accent1"/>
+          </a:fillRef>
+          <a:effectRef idx="0">
+            <a:schemeClr val="accent1"/>
+          </a:effectRef>
+          <a:fontRef idx="minor">
+            <a:schemeClr val="lt1"/>
+          </a:fontRef>
+        </p:style>
+        <p:txBody>
+          <a:bodyPr rtlCol="0" anchor="ctr"/>
+          <a:lstStyle/>
+          <a:p>
+            <a:pPr algn="ctr"/>
+            <a:endParaRPr lang="ko-KR" altLang="en-US"/>
+          </a:p>
+        </p:txBody>
+      </p:sp>
+      <p:sp>
+        <p:nvSpPr>
+          <p:cNvPr id="9" name="직사각형 8">
+            <a:extLst>
+              <a:ext uri="{FF2B5EF4-FFF2-40B4-BE49-F238E27FC236}">
+                <a16:creationId xmlns:a16="http://schemas.microsoft.com/office/drawing/2014/main" id="{D894240E-A948-42D6-A60F-4FEFB1977B17}"/>
+              </a:ext>
+            </a:extLst>
+          </p:cNvPr>
+          <p:cNvSpPr/>
+          <p:nvPr/>
+        </p:nvSpPr>
+        <p:spPr>
+          <a:xfrm>
+            <a:off x="846634" y="3553109"/>
+            <a:ext cx="1872208" cy="91916"/>
+          </a:xfrm>
+          <a:prstGeom prst="rect">
+            <a:avLst/>
+          </a:prstGeom>
+          <a:noFill/>
+          <a:ln w="28575">
+            <a:solidFill>
+              <a:srgbClr val="EC0C15"/>
+            </a:solidFill>
+            <a:miter lim="800000"/>
+          </a:ln>
+        </p:spPr>
+        <p:style>
+          <a:lnRef idx="2">
+            <a:schemeClr val="accent1">
+              <a:shade val="50000"/>
+            </a:schemeClr>
+          </a:lnRef>
+          <a:fillRef idx="1">
+            <a:schemeClr val="accent1"/>
+          </a:fillRef>
+          <a:effectRef idx="0">
+            <a:schemeClr val="accent1"/>
+          </a:effectRef>
+          <a:fontRef idx="minor">
+            <a:schemeClr val="lt1"/>
+          </a:fontRef>
+        </p:style>
+        <p:txBody>
+          <a:bodyPr rtlCol="0" anchor="ctr"/>
+          <a:lstStyle/>
+          <a:p>
+            <a:pPr algn="ctr"/>
+            <a:endParaRPr lang="ko-KR" altLang="en-US"/>
+          </a:p>
+        </p:txBody>
+      </p:sp>
+      <p:sp>
+        <p:nvSpPr>
+          <p:cNvPr id="10" name="직사각형 9">
+            <a:extLst>
+              <a:ext uri="{FF2B5EF4-FFF2-40B4-BE49-F238E27FC236}">
+                <a16:creationId xmlns:a16="http://schemas.microsoft.com/office/drawing/2014/main" id="{D894240E-A948-42D6-A60F-4FEFB1977B17}"/>
+              </a:ext>
+            </a:extLst>
+          </p:cNvPr>
+          <p:cNvSpPr/>
+          <p:nvPr/>
+        </p:nvSpPr>
+        <p:spPr>
+          <a:xfrm>
+            <a:off x="1321340" y="3395536"/>
+            <a:ext cx="965456" cy="157573"/>
+          </a:xfrm>
+          <a:prstGeom prst="rect">
+            <a:avLst/>
+          </a:prstGeom>
+          <a:noFill/>
+          <a:ln w="28575">
+            <a:solidFill>
+              <a:srgbClr val="EC0C15"/>
+            </a:solidFill>
+            <a:miter lim="800000"/>
+          </a:ln>
+        </p:spPr>
+        <p:style>
+          <a:lnRef idx="2">
+            <a:schemeClr val="accent1">
+              <a:shade val="50000"/>
+            </a:schemeClr>
+          </a:lnRef>
+          <a:fillRef idx="1">
+            <a:schemeClr val="accent1"/>
+          </a:fillRef>
+          <a:effectRef idx="0">
+            <a:schemeClr val="accent1"/>
+          </a:effectRef>
+          <a:fontRef idx="minor">
+            <a:schemeClr val="lt1"/>
+          </a:fontRef>
+        </p:style>
+        <p:txBody>
+          <a:bodyPr rtlCol="0" anchor="ctr"/>
+          <a:lstStyle/>
+          <a:p>
+            <a:pPr algn="ctr"/>
+            <a:endParaRPr lang="ko-KR" altLang="en-US"/>
+          </a:p>
+        </p:txBody>
+      </p:sp>
     </p:spTree>
     <p:extLst>
       <p:ext uri="{BB962C8B-B14F-4D97-AF65-F5344CB8AC3E}">
-        <p14:creationId xmlns:p14="http://schemas.microsoft.com/office/powerpoint/2010/main" val="962847573"/>
+        <p14:creationId xmlns:p14="http://schemas.microsoft.com/office/powerpoint/2010/main" val="3346990003"/>
       </p:ext>
     </p:extLst>
   </p:cSld>
@@ -6344,6 +6458,187 @@
             </a:r>
             <a:r>
               <a:rPr lang="en-US" altLang="ko-KR" sz="2400" dirty="0"/>
+              <a:t>1 : </a:t>
+            </a:r>
+            <a:r>
+              <a:rPr lang="en-US" altLang="ko-KR" sz="2400" dirty="0" err="1"/>
+              <a:t>BootStrap</a:t>
+            </a:r>
+            <a:r>
+              <a:rPr lang="en-US" altLang="ko-KR" sz="2400" dirty="0"/>
+              <a:t> </a:t>
+            </a:r>
+            <a:r>
+              <a:rPr lang="ko-KR" altLang="en-US" sz="2400" dirty="0" err="1" smtClean="0"/>
+              <a:t>적용페이지</a:t>
+            </a:r>
+            <a:endParaRPr lang="en-US" altLang="ko-KR" sz="2400" dirty="0" smtClean="0"/>
+          </a:p>
+          <a:p>
+            <a:pPr lvl="1"/>
+            <a:r>
+              <a:rPr lang="en-US" altLang="ko-KR" sz="2200" dirty="0">
+                <a:hlinkClick r:id="rId2"/>
+              </a:rPr>
+              <a:t>https://</a:t>
+            </a:r>
+            <a:r>
+              <a:rPr lang="en-US" altLang="ko-KR" sz="2200" dirty="0" smtClean="0">
+                <a:hlinkClick r:id="rId2"/>
+              </a:rPr>
+              <a:t>dongjoonleedj.github.io/TypeYourRepositoryName/HTMLPage_bootStrap_Sample1.html</a:t>
+            </a:r>
+            <a:r>
+              <a:rPr lang="en-US" altLang="ko-KR" sz="2200" dirty="0" smtClean="0"/>
+              <a:t> </a:t>
+            </a:r>
+            <a:endParaRPr lang="ko-KR" altLang="en-US" sz="2200" dirty="0" smtClean="0"/>
+          </a:p>
+        </p:txBody>
+      </p:sp>
+      <p:pic>
+        <p:nvPicPr>
+          <p:cNvPr id="4" name="그림 3"/>
+          <p:cNvPicPr>
+            <a:picLocks noChangeAspect="1"/>
+          </p:cNvPicPr>
+          <p:nvPr/>
+        </p:nvPicPr>
+        <p:blipFill>
+          <a:blip r:embed="rId3"/>
+          <a:stretch>
+            <a:fillRect/>
+          </a:stretch>
+        </p:blipFill>
+        <p:spPr>
+          <a:xfrm>
+            <a:off x="899592" y="2832343"/>
+            <a:ext cx="5112568" cy="3751019"/>
+          </a:xfrm>
+          <a:prstGeom prst="rect">
+            <a:avLst/>
+          </a:prstGeom>
+        </p:spPr>
+      </p:pic>
+    </p:spTree>
+    <p:extLst>
+      <p:ext uri="{BB962C8B-B14F-4D97-AF65-F5344CB8AC3E}">
+        <p14:creationId xmlns:p14="http://schemas.microsoft.com/office/powerpoint/2010/main" val="962847573"/>
+      </p:ext>
+    </p:extLst>
+  </p:cSld>
+  <p:clrMapOvr>
+    <a:masterClrMapping/>
+  </p:clrMapOvr>
+  <p:timing>
+    <p:tnLst>
+      <p:par>
+        <p:cTn id="1" dur="indefinite" restart="never" nodeType="tmRoot"/>
+      </p:par>
+    </p:tnLst>
+  </p:timing>
+</p:sld>
+</file>
+
+<file path=ppt/slides/slide17.xml><?xml version="1.0" encoding="utf-8"?>
+<p:sld xmlns:a="http://schemas.openxmlformats.org/drawingml/2006/main" xmlns:r="http://schemas.openxmlformats.org/officeDocument/2006/relationships" xmlns:p="http://schemas.openxmlformats.org/presentationml/2006/main">
+  <p:cSld>
+    <p:spTree>
+      <p:nvGrpSpPr>
+        <p:cNvPr id="1" name=""/>
+        <p:cNvGrpSpPr/>
+        <p:nvPr/>
+      </p:nvGrpSpPr>
+      <p:grpSpPr>
+        <a:xfrm>
+          <a:off x="0" y="0"/>
+          <a:ext cx="0" cy="0"/>
+          <a:chOff x="0" y="0"/>
+          <a:chExt cx="0" cy="0"/>
+        </a:xfrm>
+      </p:grpSpPr>
+      <p:sp>
+        <p:nvSpPr>
+          <p:cNvPr id="2" name="제목 1"/>
+          <p:cNvSpPr>
+            <a:spLocks noGrp="1"/>
+          </p:cNvSpPr>
+          <p:nvPr>
+            <p:ph type="title"/>
+          </p:nvPr>
+        </p:nvSpPr>
+        <p:spPr/>
+        <p:txBody>
+          <a:bodyPr/>
+          <a:lstStyle/>
+          <a:p>
+            <a:r>
+              <a:rPr lang="en-US" altLang="ko-KR" dirty="0"/>
+              <a:t>CSS3 </a:t>
+            </a:r>
+            <a:r>
+              <a:rPr lang="ko-KR" altLang="en-US" dirty="0" err="1"/>
+              <a:t>선택자</a:t>
+            </a:r>
+            <a:r>
+              <a:rPr lang="ko-KR" altLang="en-US" dirty="0"/>
+              <a:t> 기본</a:t>
+            </a:r>
+            <a:r>
+              <a:rPr lang="en-US" altLang="ko-KR" dirty="0"/>
+              <a:t/>
+            </a:r>
+            <a:br>
+              <a:rPr lang="en-US" altLang="ko-KR" dirty="0"/>
+            </a:br>
+            <a:r>
+              <a:rPr lang="en-US" altLang="ko-KR" sz="2400" dirty="0"/>
+              <a:t>         </a:t>
+            </a:r>
+            <a:r>
+              <a:rPr lang="en-US" altLang="ko-KR" sz="2400" dirty="0" err="1"/>
+              <a:t>BootStrap</a:t>
+            </a:r>
+            <a:r>
+              <a:rPr lang="en-US" altLang="ko-KR" sz="2400" dirty="0"/>
+              <a:t> </a:t>
+            </a:r>
+            <a:r>
+              <a:rPr lang="ko-KR" altLang="en-US" sz="2400" dirty="0"/>
+              <a:t>활용하기</a:t>
+            </a:r>
+            <a:endParaRPr lang="ko-KR" altLang="en-US" dirty="0"/>
+          </a:p>
+        </p:txBody>
+      </p:sp>
+      <p:sp>
+        <p:nvSpPr>
+          <p:cNvPr id="3" name="내용 개체 틀 2"/>
+          <p:cNvSpPr>
+            <a:spLocks noGrp="1"/>
+          </p:cNvSpPr>
+          <p:nvPr>
+            <p:ph idx="1"/>
+          </p:nvPr>
+        </p:nvSpPr>
+        <p:spPr>
+          <a:xfrm>
+            <a:off x="457200" y="1600200"/>
+            <a:ext cx="8075240" cy="4800600"/>
+          </a:xfrm>
+        </p:spPr>
+        <p:txBody>
+          <a:bodyPr>
+            <a:normAutofit/>
+          </a:bodyPr>
+          <a:lstStyle/>
+          <a:p>
+            <a:r>
+              <a:rPr lang="ko-KR" altLang="en-US" sz="2400" dirty="0"/>
+              <a:t>실습</a:t>
+            </a:r>
+            <a:r>
+              <a:rPr lang="en-US" altLang="ko-KR" sz="2400" dirty="0"/>
               <a:t>2 : </a:t>
             </a:r>
             <a:r>
@@ -6418,7 +6713,7 @@
 </p:sld>
 </file>
 
-<file path=ppt/slides/slide17.xml><?xml version="1.0" encoding="utf-8"?>
+<file path=ppt/slides/slide18.xml><?xml version="1.0" encoding="utf-8"?>
 <p:sld xmlns:a="http://schemas.openxmlformats.org/drawingml/2006/main" xmlns:r="http://schemas.openxmlformats.org/officeDocument/2006/relationships" xmlns:p="http://schemas.openxmlformats.org/presentationml/2006/main">
   <p:cSld>
     <p:spTree>
@@ -7236,178 +7531,178 @@
           <a:chExt cx="0" cy="0"/>
         </a:xfrm>
       </p:grpSpPr>
-      <p:sp>
-        <p:nvSpPr>
-          <p:cNvPr id="2" name="제목 1"/>
-          <p:cNvSpPr>
-            <a:spLocks noGrp="1"/>
-          </p:cNvSpPr>
-          <p:nvPr>
-            <p:ph type="title"/>
-          </p:nvPr>
-        </p:nvSpPr>
-        <p:spPr/>
-        <p:txBody>
-          <a:bodyPr/>
-          <a:lstStyle/>
-          <a:p>
-            <a:r>
-              <a:rPr lang="en-US" altLang="ko-KR" dirty="0"/>
-              <a:t>CSS3 </a:t>
-            </a:r>
-            <a:r>
-              <a:rPr lang="ko-KR" altLang="en-US" dirty="0" err="1"/>
-              <a:t>선택자</a:t>
-            </a:r>
-            <a:r>
-              <a:rPr lang="ko-KR" altLang="en-US" dirty="0"/>
-              <a:t> 기본</a:t>
-            </a:r>
-            <a:r>
-              <a:rPr lang="en-US" altLang="ko-KR" dirty="0"/>
-              <a:t/>
-            </a:r>
-            <a:br>
-              <a:rPr lang="en-US" altLang="ko-KR" dirty="0"/>
-            </a:br>
-            <a:r>
-              <a:rPr lang="en-US" altLang="ko-KR" sz="2400" dirty="0"/>
-              <a:t>         </a:t>
-            </a:r>
-            <a:r>
-              <a:rPr lang="en-US" altLang="ko-KR" sz="2400" dirty="0" err="1"/>
-              <a:t>BootStrap</a:t>
-            </a:r>
-            <a:r>
-              <a:rPr lang="en-US" altLang="ko-KR" sz="2400" dirty="0"/>
-              <a:t> </a:t>
-            </a:r>
-            <a:r>
-              <a:rPr lang="ko-KR" altLang="en-US" sz="2400" dirty="0"/>
-              <a:t>활용하기</a:t>
-            </a:r>
-            <a:endParaRPr lang="ko-KR" altLang="en-US" dirty="0"/>
-          </a:p>
-        </p:txBody>
-      </p:sp>
-      <p:sp>
-        <p:nvSpPr>
-          <p:cNvPr id="3" name="내용 개체 틀 2"/>
-          <p:cNvSpPr>
-            <a:spLocks noGrp="1"/>
-          </p:cNvSpPr>
-          <p:nvPr>
-            <p:ph idx="1"/>
-          </p:nvPr>
-        </p:nvSpPr>
-        <p:spPr>
-          <a:xfrm>
-            <a:off x="457200" y="1600200"/>
-            <a:ext cx="8075240" cy="4800600"/>
-          </a:xfrm>
-        </p:spPr>
-        <p:txBody>
-          <a:bodyPr>
-            <a:normAutofit/>
-          </a:bodyPr>
-          <a:lstStyle/>
-          <a:p>
-            <a:r>
-              <a:rPr lang="en-US" altLang="ko-KR" sz="2400" dirty="0" err="1" smtClean="0"/>
-              <a:t>BootStrap</a:t>
-            </a:r>
-            <a:r>
-              <a:rPr lang="en-US" altLang="ko-KR" sz="2400" dirty="0" smtClean="0"/>
-              <a:t> </a:t>
-            </a:r>
-            <a:r>
-              <a:rPr lang="ko-KR" altLang="en-US" sz="2400" dirty="0" smtClean="0"/>
-              <a:t>적용하기</a:t>
-            </a:r>
-            <a:endParaRPr lang="en-US" altLang="ko-KR" sz="2400" dirty="0"/>
-          </a:p>
-          <a:p>
-            <a:pPr lvl="1"/>
-            <a:r>
-              <a:rPr lang="en-US" altLang="ko-KR" dirty="0">
-                <a:hlinkClick r:id="rId2"/>
-              </a:rPr>
-              <a:t>https://getbootstrap.com</a:t>
-            </a:r>
-            <a:r>
-              <a:rPr lang="en-US" altLang="ko-KR" dirty="0" smtClean="0">
-                <a:hlinkClick r:id="rId2"/>
-              </a:rPr>
-              <a:t>/</a:t>
-            </a:r>
-            <a:r>
-              <a:rPr lang="en-US" altLang="ko-KR" dirty="0" smtClean="0"/>
-              <a:t> </a:t>
-            </a:r>
-            <a:r>
-              <a:rPr lang="ko-KR" altLang="en-US" dirty="0" smtClean="0"/>
-              <a:t>접속</a:t>
-            </a:r>
-            <a:endParaRPr lang="en-US" altLang="ko-KR" dirty="0" smtClean="0"/>
-          </a:p>
-          <a:p>
-            <a:pPr lvl="1"/>
-            <a:r>
-              <a:rPr lang="ko-KR" altLang="en-US" dirty="0" smtClean="0"/>
-              <a:t>가장 최신 버전을 사용할 경우에는 </a:t>
-            </a:r>
-            <a:r>
-              <a:rPr lang="en-US" altLang="ko-KR" dirty="0" smtClean="0"/>
-              <a:t>Get started </a:t>
-            </a:r>
-            <a:r>
-              <a:rPr lang="ko-KR" altLang="en-US" dirty="0" smtClean="0"/>
-              <a:t>선택</a:t>
-            </a:r>
-            <a:endParaRPr lang="en-US" altLang="ko-KR" dirty="0" smtClean="0"/>
-          </a:p>
-          <a:p>
-            <a:pPr lvl="1"/>
-            <a:r>
-              <a:rPr lang="ko-KR" altLang="en-US" dirty="0" smtClean="0"/>
-              <a:t>원하는 버전이 있을 경우에는 </a:t>
-            </a:r>
-            <a:r>
-              <a:rPr lang="en-US" altLang="ko-KR" dirty="0" smtClean="0"/>
-              <a:t>All releases </a:t>
-            </a:r>
-            <a:r>
-              <a:rPr lang="ko-KR" altLang="en-US" dirty="0" smtClean="0"/>
-              <a:t>클릭</a:t>
-            </a:r>
-            <a:endParaRPr lang="en-US" altLang="ko-KR" dirty="0"/>
-          </a:p>
-        </p:txBody>
-      </p:sp>
       <p:pic>
         <p:nvPicPr>
-          <p:cNvPr id="4" name="그림 3"/>
+          <p:cNvPr id="7" name="그림 6"/>
           <p:cNvPicPr>
             <a:picLocks noChangeAspect="1"/>
           </p:cNvPicPr>
           <p:nvPr/>
         </p:nvPicPr>
         <p:blipFill>
-          <a:blip r:embed="rId3"/>
+          <a:blip r:embed="rId2"/>
           <a:stretch>
             <a:fillRect/>
           </a:stretch>
         </p:blipFill>
         <p:spPr>
           <a:xfrm>
-            <a:off x="1187624" y="3284984"/>
-            <a:ext cx="5359963" cy="2984588"/>
+            <a:off x="1115616" y="3163912"/>
+            <a:ext cx="4995721" cy="3236888"/>
           </a:xfrm>
           <a:prstGeom prst="rect">
             <a:avLst/>
           </a:prstGeom>
         </p:spPr>
       </p:pic>
+      <p:sp>
+        <p:nvSpPr>
+          <p:cNvPr id="2" name="제목 1"/>
+          <p:cNvSpPr>
+            <a:spLocks noGrp="1"/>
+          </p:cNvSpPr>
+          <p:nvPr>
+            <p:ph type="title"/>
+          </p:nvPr>
+        </p:nvSpPr>
+        <p:spPr/>
+        <p:txBody>
+          <a:bodyPr/>
+          <a:lstStyle/>
+          <a:p>
+            <a:r>
+              <a:rPr lang="en-US" altLang="ko-KR" dirty="0"/>
+              <a:t>CSS3 </a:t>
+            </a:r>
+            <a:r>
+              <a:rPr lang="ko-KR" altLang="en-US" dirty="0" err="1"/>
+              <a:t>선택자</a:t>
+            </a:r>
+            <a:r>
+              <a:rPr lang="ko-KR" altLang="en-US" dirty="0"/>
+              <a:t> 기본</a:t>
+            </a:r>
+            <a:r>
+              <a:rPr lang="en-US" altLang="ko-KR" dirty="0"/>
+              <a:t/>
+            </a:r>
+            <a:br>
+              <a:rPr lang="en-US" altLang="ko-KR" dirty="0"/>
+            </a:br>
+            <a:r>
+              <a:rPr lang="en-US" altLang="ko-KR" sz="2400" dirty="0"/>
+              <a:t>         </a:t>
+            </a:r>
+            <a:r>
+              <a:rPr lang="en-US" altLang="ko-KR" sz="2400" dirty="0" err="1"/>
+              <a:t>BootStrap</a:t>
+            </a:r>
+            <a:r>
+              <a:rPr lang="en-US" altLang="ko-KR" sz="2400" dirty="0"/>
+              <a:t> </a:t>
+            </a:r>
+            <a:r>
+              <a:rPr lang="ko-KR" altLang="en-US" sz="2400" dirty="0"/>
+              <a:t>활용하기</a:t>
+            </a:r>
+            <a:endParaRPr lang="ko-KR" altLang="en-US" dirty="0"/>
+          </a:p>
+        </p:txBody>
+      </p:sp>
+      <p:sp>
+        <p:nvSpPr>
+          <p:cNvPr id="3" name="내용 개체 틀 2"/>
+          <p:cNvSpPr>
+            <a:spLocks noGrp="1"/>
+          </p:cNvSpPr>
+          <p:nvPr>
+            <p:ph idx="1"/>
+          </p:nvPr>
+        </p:nvSpPr>
+        <p:spPr>
+          <a:xfrm>
+            <a:off x="457200" y="1600200"/>
+            <a:ext cx="8075240" cy="4800600"/>
+          </a:xfrm>
+        </p:spPr>
+        <p:txBody>
+          <a:bodyPr>
+            <a:normAutofit/>
+          </a:bodyPr>
+          <a:lstStyle/>
+          <a:p>
+            <a:r>
+              <a:rPr lang="en-US" altLang="ko-KR" sz="2400" dirty="0" err="1" smtClean="0"/>
+              <a:t>BootStrap</a:t>
+            </a:r>
+            <a:r>
+              <a:rPr lang="en-US" altLang="ko-KR" sz="2400" dirty="0" smtClean="0"/>
+              <a:t> </a:t>
+            </a:r>
+            <a:r>
+              <a:rPr lang="ko-KR" altLang="en-US" sz="2400" dirty="0" smtClean="0"/>
+              <a:t>적용하기</a:t>
+            </a:r>
+            <a:endParaRPr lang="en-US" altLang="ko-KR" sz="2400" dirty="0"/>
+          </a:p>
+          <a:p>
+            <a:pPr lvl="1"/>
+            <a:r>
+              <a:rPr lang="en-US" altLang="ko-KR" dirty="0">
+                <a:hlinkClick r:id="rId3"/>
+              </a:rPr>
+              <a:t>https://getbootstrap.com</a:t>
+            </a:r>
+            <a:r>
+              <a:rPr lang="en-US" altLang="ko-KR" dirty="0" smtClean="0">
+                <a:hlinkClick r:id="rId3"/>
+              </a:rPr>
+              <a:t>/</a:t>
+            </a:r>
+            <a:r>
+              <a:rPr lang="en-US" altLang="ko-KR" dirty="0" smtClean="0"/>
+              <a:t> </a:t>
+            </a:r>
+            <a:r>
+              <a:rPr lang="ko-KR" altLang="en-US" dirty="0" smtClean="0"/>
+              <a:t>접속</a:t>
+            </a:r>
+            <a:endParaRPr lang="en-US" altLang="ko-KR" dirty="0" smtClean="0"/>
+          </a:p>
+          <a:p>
+            <a:pPr lvl="1"/>
+            <a:r>
+              <a:rPr lang="ko-KR" altLang="en-US" dirty="0" smtClean="0"/>
+              <a:t>가장 최신 버전을 사용할 경우에는 </a:t>
+            </a:r>
+            <a:r>
+              <a:rPr lang="en-US" altLang="ko-KR" dirty="0" smtClean="0"/>
+              <a:t>Read the docs </a:t>
+            </a:r>
+            <a:r>
+              <a:rPr lang="ko-KR" altLang="en-US" dirty="0" smtClean="0"/>
+              <a:t>선택</a:t>
+            </a:r>
+            <a:endParaRPr lang="en-US" altLang="ko-KR" dirty="0" smtClean="0"/>
+          </a:p>
+          <a:p>
+            <a:pPr lvl="1"/>
+            <a:r>
+              <a:rPr lang="ko-KR" altLang="en-US" dirty="0" smtClean="0"/>
+              <a:t>원하는 버전이 있을 경우에는 </a:t>
+            </a:r>
+            <a:r>
+              <a:rPr lang="en-US" altLang="ko-KR" dirty="0" smtClean="0"/>
+              <a:t>All releases </a:t>
+            </a:r>
+            <a:r>
+              <a:rPr lang="ko-KR" altLang="en-US" dirty="0" smtClean="0"/>
+              <a:t>클릭</a:t>
+            </a:r>
+            <a:endParaRPr lang="en-US" altLang="ko-KR" dirty="0"/>
+          </a:p>
+        </p:txBody>
+      </p:sp>
       <p:sp>
         <p:nvSpPr>
           <p:cNvPr id="5" name="직사각형 4">
@@ -7422,7 +7717,7 @@
         </p:nvSpPr>
         <p:spPr>
           <a:xfrm>
-            <a:off x="1350691" y="5682676"/>
+            <a:off x="3946347" y="5705208"/>
             <a:ext cx="936104" cy="338611"/>
           </a:xfrm>
           <a:prstGeom prst="rect">
@@ -7475,7 +7770,7 @@
         </p:nvSpPr>
         <p:spPr>
           <a:xfrm>
-            <a:off x="2627784" y="6100267"/>
+            <a:off x="4126367" y="6141728"/>
             <a:ext cx="576064" cy="169306"/>
           </a:xfrm>
           <a:prstGeom prst="rect">
@@ -7551,109 +7846,9 @@
           <a:chExt cx="0" cy="0"/>
         </a:xfrm>
       </p:grpSpPr>
-      <p:sp>
-        <p:nvSpPr>
-          <p:cNvPr id="2" name="제목 1"/>
-          <p:cNvSpPr>
-            <a:spLocks noGrp="1"/>
-          </p:cNvSpPr>
-          <p:nvPr>
-            <p:ph type="title"/>
-          </p:nvPr>
-        </p:nvSpPr>
-        <p:spPr/>
-        <p:txBody>
-          <a:bodyPr/>
-          <a:lstStyle/>
-          <a:p>
-            <a:r>
-              <a:rPr lang="en-US" altLang="ko-KR" dirty="0"/>
-              <a:t>CSS3 </a:t>
-            </a:r>
-            <a:r>
-              <a:rPr lang="ko-KR" altLang="en-US" dirty="0" err="1"/>
-              <a:t>선택자</a:t>
-            </a:r>
-            <a:r>
-              <a:rPr lang="ko-KR" altLang="en-US" dirty="0"/>
-              <a:t> 기본</a:t>
-            </a:r>
-            <a:r>
-              <a:rPr lang="en-US" altLang="ko-KR" dirty="0"/>
-              <a:t/>
-            </a:r>
-            <a:br>
-              <a:rPr lang="en-US" altLang="ko-KR" dirty="0"/>
-            </a:br>
-            <a:r>
-              <a:rPr lang="en-US" altLang="ko-KR" sz="2400" dirty="0"/>
-              <a:t>         </a:t>
-            </a:r>
-            <a:r>
-              <a:rPr lang="en-US" altLang="ko-KR" sz="2400" dirty="0" err="1"/>
-              <a:t>BootStrap</a:t>
-            </a:r>
-            <a:r>
-              <a:rPr lang="en-US" altLang="ko-KR" sz="2400" dirty="0"/>
-              <a:t> </a:t>
-            </a:r>
-            <a:r>
-              <a:rPr lang="ko-KR" altLang="en-US" sz="2400" dirty="0"/>
-              <a:t>활용하기</a:t>
-            </a:r>
-            <a:endParaRPr lang="ko-KR" altLang="en-US" dirty="0"/>
-          </a:p>
-        </p:txBody>
-      </p:sp>
-      <p:sp>
-        <p:nvSpPr>
-          <p:cNvPr id="3" name="내용 개체 틀 2"/>
-          <p:cNvSpPr>
-            <a:spLocks noGrp="1"/>
-          </p:cNvSpPr>
-          <p:nvPr>
-            <p:ph idx="1"/>
-          </p:nvPr>
-        </p:nvSpPr>
-        <p:spPr>
-          <a:xfrm>
-            <a:off x="457200" y="1600200"/>
-            <a:ext cx="8075240" cy="4800600"/>
-          </a:xfrm>
-        </p:spPr>
-        <p:txBody>
-          <a:bodyPr>
-            <a:normAutofit/>
-          </a:bodyPr>
-          <a:lstStyle/>
-          <a:p>
-            <a:r>
-              <a:rPr lang="en-US" altLang="ko-KR" sz="2400" dirty="0" err="1" smtClean="0"/>
-              <a:t>BootStrap</a:t>
-            </a:r>
-            <a:r>
-              <a:rPr lang="en-US" altLang="ko-KR" sz="2400" dirty="0" smtClean="0"/>
-              <a:t> </a:t>
-            </a:r>
-            <a:r>
-              <a:rPr lang="ko-KR" altLang="en-US" sz="2400" dirty="0" smtClean="0"/>
-              <a:t>적용하기</a:t>
-            </a:r>
-            <a:endParaRPr lang="en-US" altLang="ko-KR" sz="2400" dirty="0"/>
-          </a:p>
-          <a:p>
-            <a:pPr lvl="1"/>
-            <a:r>
-              <a:rPr lang="ko-KR" altLang="en-US" dirty="0" smtClean="0"/>
-              <a:t>실무에서는 무조건 최신 버전을 쓰지 않고 안정화된 버전을 사용</a:t>
-            </a:r>
-            <a:endParaRPr lang="en-US" altLang="ko-KR" dirty="0"/>
-          </a:p>
-        </p:txBody>
-      </p:sp>
       <p:pic>
         <p:nvPicPr>
-          <p:cNvPr id="7" name="그림 6"/>
+          <p:cNvPr id="4" name="그림 3"/>
           <p:cNvPicPr>
             <a:picLocks noChangeAspect="1"/>
           </p:cNvPicPr>
@@ -7667,14 +7862,144 @@
         </p:blipFill>
         <p:spPr>
           <a:xfrm>
-            <a:off x="1259632" y="2852936"/>
-            <a:ext cx="5612971" cy="2662924"/>
+            <a:off x="683568" y="3153435"/>
+            <a:ext cx="6492229" cy="3402216"/>
           </a:xfrm>
           <a:prstGeom prst="rect">
             <a:avLst/>
           </a:prstGeom>
         </p:spPr>
       </p:pic>
+      <p:sp>
+        <p:nvSpPr>
+          <p:cNvPr id="2" name="제목 1"/>
+          <p:cNvSpPr>
+            <a:spLocks noGrp="1"/>
+          </p:cNvSpPr>
+          <p:nvPr>
+            <p:ph type="title"/>
+          </p:nvPr>
+        </p:nvSpPr>
+        <p:spPr/>
+        <p:txBody>
+          <a:bodyPr/>
+          <a:lstStyle/>
+          <a:p>
+            <a:r>
+              <a:rPr lang="en-US" altLang="ko-KR" dirty="0"/>
+              <a:t>CSS3 </a:t>
+            </a:r>
+            <a:r>
+              <a:rPr lang="ko-KR" altLang="en-US" dirty="0" err="1"/>
+              <a:t>선택자</a:t>
+            </a:r>
+            <a:r>
+              <a:rPr lang="ko-KR" altLang="en-US" dirty="0"/>
+              <a:t> 기본</a:t>
+            </a:r>
+            <a:r>
+              <a:rPr lang="en-US" altLang="ko-KR" dirty="0"/>
+              <a:t/>
+            </a:r>
+            <a:br>
+              <a:rPr lang="en-US" altLang="ko-KR" dirty="0"/>
+            </a:br>
+            <a:r>
+              <a:rPr lang="en-US" altLang="ko-KR" sz="2400" dirty="0"/>
+              <a:t>         </a:t>
+            </a:r>
+            <a:r>
+              <a:rPr lang="en-US" altLang="ko-KR" sz="2400" dirty="0" err="1"/>
+              <a:t>BootStrap</a:t>
+            </a:r>
+            <a:r>
+              <a:rPr lang="en-US" altLang="ko-KR" sz="2400" dirty="0"/>
+              <a:t> </a:t>
+            </a:r>
+            <a:r>
+              <a:rPr lang="ko-KR" altLang="en-US" sz="2400" dirty="0"/>
+              <a:t>활용하기</a:t>
+            </a:r>
+            <a:endParaRPr lang="ko-KR" altLang="en-US" dirty="0"/>
+          </a:p>
+        </p:txBody>
+      </p:sp>
+      <p:sp>
+        <p:nvSpPr>
+          <p:cNvPr id="3" name="내용 개체 틀 2"/>
+          <p:cNvSpPr>
+            <a:spLocks noGrp="1"/>
+          </p:cNvSpPr>
+          <p:nvPr>
+            <p:ph idx="1"/>
+          </p:nvPr>
+        </p:nvSpPr>
+        <p:spPr>
+          <a:xfrm>
+            <a:off x="457200" y="1600200"/>
+            <a:ext cx="8075240" cy="4800600"/>
+          </a:xfrm>
+        </p:spPr>
+        <p:txBody>
+          <a:bodyPr>
+            <a:normAutofit/>
+          </a:bodyPr>
+          <a:lstStyle/>
+          <a:p>
+            <a:r>
+              <a:rPr lang="en-US" altLang="ko-KR" sz="2400" dirty="0" err="1" smtClean="0"/>
+              <a:t>BootStrap</a:t>
+            </a:r>
+            <a:r>
+              <a:rPr lang="en-US" altLang="ko-KR" sz="2400" dirty="0" smtClean="0"/>
+              <a:t> </a:t>
+            </a:r>
+            <a:r>
+              <a:rPr lang="ko-KR" altLang="en-US" sz="2400" dirty="0" smtClean="0"/>
+              <a:t>적용하기</a:t>
+            </a:r>
+            <a:endParaRPr lang="en-US" altLang="ko-KR" sz="2400" dirty="0"/>
+          </a:p>
+          <a:p>
+            <a:pPr lvl="1"/>
+            <a:r>
+              <a:rPr lang="ko-KR" altLang="en-US" dirty="0" smtClean="0"/>
+              <a:t>최신 버전을 쓸 경우 </a:t>
+            </a:r>
+            <a:r>
+              <a:rPr lang="en-US" altLang="ko-KR" dirty="0" smtClean="0"/>
+              <a:t>(Read the docs </a:t>
+            </a:r>
+            <a:r>
+              <a:rPr lang="ko-KR" altLang="en-US" dirty="0" smtClean="0"/>
+              <a:t>누른 경우</a:t>
+            </a:r>
+            <a:r>
+              <a:rPr lang="en-US" altLang="ko-KR" dirty="0" smtClean="0"/>
+              <a:t>) </a:t>
+            </a:r>
+            <a:r>
+              <a:rPr lang="en-US" altLang="ko-KR" b="1" dirty="0" smtClean="0"/>
+              <a:t>2. Include~~ </a:t>
+            </a:r>
+            <a:r>
+              <a:rPr lang="ko-KR" altLang="en-US" dirty="0" smtClean="0"/>
+              <a:t>를</a:t>
+            </a:r>
+            <a:endParaRPr lang="en-US" altLang="ko-KR" dirty="0" smtClean="0"/>
+          </a:p>
+          <a:p>
+            <a:pPr marL="411480" lvl="1" indent="0">
+              <a:buNone/>
+            </a:pPr>
+            <a:r>
+              <a:rPr lang="ko-KR" altLang="en-US" dirty="0" smtClean="0"/>
+              <a:t>클릭하고 그 옆에 클립보드 모양을 클릭해서 기본 양식 복사</a:t>
+            </a:r>
+            <a:endParaRPr lang="en-US" altLang="ko-KR" dirty="0"/>
+          </a:p>
+        </p:txBody>
+      </p:sp>
       <p:sp>
         <p:nvSpPr>
           <p:cNvPr id="8" name="직사각형 7">
@@ -7689,8 +8014,8 @@
         </p:nvSpPr>
         <p:spPr>
           <a:xfrm>
-            <a:off x="3275856" y="4035248"/>
-            <a:ext cx="1656184" cy="257848"/>
+            <a:off x="6793046" y="4000500"/>
+            <a:ext cx="299234" cy="292596"/>
           </a:xfrm>
           <a:prstGeom prst="rect">
             <a:avLst/>
@@ -7731,7 +8056,7 @@
     </p:spTree>
     <p:extLst>
       <p:ext uri="{BB962C8B-B14F-4D97-AF65-F5344CB8AC3E}">
-        <p14:creationId xmlns:p14="http://schemas.microsoft.com/office/powerpoint/2010/main" val="1262077827"/>
+        <p14:creationId xmlns:p14="http://schemas.microsoft.com/office/powerpoint/2010/main" val="794642657"/>
       </p:ext>
     </p:extLst>
   </p:cSld>
@@ -7853,49 +8178,21 @@
               <a:rPr lang="ko-KR" altLang="en-US" sz="2400" dirty="0" smtClean="0"/>
               <a:t>적용하기</a:t>
             </a:r>
-            <a:endParaRPr lang="en-US" altLang="ko-KR" sz="2400" dirty="0" smtClean="0"/>
+            <a:endParaRPr lang="en-US" altLang="ko-KR" sz="2400" dirty="0"/>
           </a:p>
           <a:p>
             <a:pPr lvl="1"/>
             <a:r>
-              <a:rPr lang="ko-KR" altLang="en-US" sz="2200" dirty="0" smtClean="0"/>
-              <a:t>마우스 스크롤을 내려서 </a:t>
-            </a:r>
-            <a:r>
-              <a:rPr lang="en-US" altLang="ko-KR" sz="2200" dirty="0" smtClean="0"/>
-              <a:t>Starter template </a:t>
-            </a:r>
-            <a:r>
-              <a:rPr lang="ko-KR" altLang="en-US" sz="2200" dirty="0" smtClean="0"/>
-              <a:t>밑에 </a:t>
-            </a:r>
-            <a:r>
-              <a:rPr lang="en-US" altLang="ko-KR" sz="2200" dirty="0" smtClean="0"/>
-              <a:t>copy </a:t>
-            </a:r>
-            <a:r>
-              <a:rPr lang="ko-KR" altLang="en-US" sz="2200" dirty="0" smtClean="0"/>
-              <a:t>클릭</a:t>
-            </a:r>
-            <a:endParaRPr lang="en-US" altLang="ko-KR" sz="2200" dirty="0" smtClean="0"/>
-          </a:p>
-          <a:p>
-            <a:pPr lvl="1"/>
-            <a:r>
-              <a:rPr lang="en-US" altLang="ko-KR" sz="2200" dirty="0" smtClean="0"/>
-              <a:t>Get started</a:t>
-            </a:r>
-            <a:r>
-              <a:rPr lang="ko-KR" altLang="en-US" sz="2200" dirty="0" smtClean="0"/>
-              <a:t>를 눌렀다면 아래와 같은 화면이 바로 보임</a:t>
-            </a:r>
-            <a:endParaRPr lang="en-US" altLang="ko-KR" sz="2200" dirty="0"/>
+              <a:rPr lang="ko-KR" altLang="en-US" dirty="0" smtClean="0"/>
+              <a:t>실무에서는 무조건 최신 버전을 쓰지 않고 안정화된 버전을 사용</a:t>
+            </a:r>
+            <a:endParaRPr lang="en-US" altLang="ko-KR" dirty="0"/>
           </a:p>
         </p:txBody>
       </p:sp>
       <p:pic>
         <p:nvPicPr>
-          <p:cNvPr id="5" name="그림 4"/>
+          <p:cNvPr id="7" name="그림 6"/>
           <p:cNvPicPr>
             <a:picLocks noChangeAspect="1"/>
           </p:cNvPicPr>
@@ -7909,8 +8206,8 @@
         </p:blipFill>
         <p:spPr>
           <a:xfrm>
-            <a:off x="1907704" y="2924944"/>
-            <a:ext cx="4072788" cy="3024852"/>
+            <a:off x="1259632" y="2852936"/>
+            <a:ext cx="5612971" cy="2662924"/>
           </a:xfrm>
           <a:prstGeom prst="rect">
             <a:avLst/>
@@ -7919,7 +8216,7 @@
       </p:pic>
       <p:sp>
         <p:nvSpPr>
-          <p:cNvPr id="9" name="직사각형 8">
+          <p:cNvPr id="8" name="직사각형 7">
             <a:extLst>
               <a:ext uri="{FF2B5EF4-FFF2-40B4-BE49-F238E27FC236}">
                 <a16:creationId xmlns:a16="http://schemas.microsoft.com/office/drawing/2014/main" id="{D894240E-A948-42D6-A60F-4FEFB1977B17}"/>
@@ -7931,8 +8228,8 @@
         </p:nvSpPr>
         <p:spPr>
           <a:xfrm>
-            <a:off x="5592662" y="3861048"/>
-            <a:ext cx="267862" cy="144016"/>
+            <a:off x="3275856" y="4035248"/>
+            <a:ext cx="1656184" cy="257848"/>
           </a:xfrm>
           <a:prstGeom prst="rect">
             <a:avLst/>
@@ -7973,7 +8270,7 @@
     </p:spTree>
     <p:extLst>
       <p:ext uri="{BB962C8B-B14F-4D97-AF65-F5344CB8AC3E}">
-        <p14:creationId xmlns:p14="http://schemas.microsoft.com/office/powerpoint/2010/main" val="1193548034"/>
+        <p14:creationId xmlns:p14="http://schemas.microsoft.com/office/powerpoint/2010/main" val="1262077827"/>
       </p:ext>
     </p:extLst>
   </p:cSld>
@@ -8095,28 +8392,41 @@
               <a:rPr lang="ko-KR" altLang="en-US" sz="2400" dirty="0" smtClean="0"/>
               <a:t>적용하기</a:t>
             </a:r>
+            <a:endParaRPr lang="en-US" altLang="ko-KR" sz="2400" dirty="0" smtClean="0"/>
           </a:p>
           <a:p>
             <a:pPr lvl="1"/>
             <a:r>
               <a:rPr lang="ko-KR" altLang="en-US" sz="2200" dirty="0" smtClean="0"/>
-              <a:t>복사해서 </a:t>
+              <a:t>마우스 스크롤을 내려서 </a:t>
             </a:r>
             <a:r>
               <a:rPr lang="en-US" altLang="ko-KR" sz="2200" dirty="0" smtClean="0"/>
-              <a:t>html </a:t>
+              <a:t>Starter template </a:t>
             </a:r>
             <a:r>
               <a:rPr lang="ko-KR" altLang="en-US" sz="2200" dirty="0" smtClean="0"/>
-              <a:t>파일에 </a:t>
-            </a:r>
-            <a:r>
-              <a:rPr lang="ko-KR" altLang="en-US" sz="2200" dirty="0" err="1" smtClean="0"/>
-              <a:t>붙여넣고</a:t>
+              <a:t>밑에 </a:t>
+            </a:r>
+            <a:r>
+              <a:rPr lang="en-US" altLang="ko-KR" sz="2200" dirty="0" smtClean="0"/>
+              <a:t>copy </a:t>
             </a:r>
             <a:r>
               <a:rPr lang="ko-KR" altLang="en-US" sz="2200" dirty="0" smtClean="0"/>
-              <a:t> 테스트하기</a:t>
+              <a:t>클릭</a:t>
+            </a:r>
+            <a:endParaRPr lang="en-US" altLang="ko-KR" sz="2200" dirty="0" smtClean="0"/>
+          </a:p>
+          <a:p>
+            <a:pPr lvl="1"/>
+            <a:r>
+              <a:rPr lang="en-US" altLang="ko-KR" sz="2200" dirty="0" smtClean="0"/>
+              <a:t>Get started</a:t>
+            </a:r>
+            <a:r>
+              <a:rPr lang="ko-KR" altLang="en-US" sz="2200" dirty="0" smtClean="0"/>
+              <a:t>를 눌렀다면 아래와 같은 화면이 바로 보임</a:t>
             </a:r>
             <a:endParaRPr lang="en-US" altLang="ko-KR" sz="2200" dirty="0"/>
           </a:p>
@@ -8124,165 +8434,85 @@
       </p:sp>
       <p:pic>
         <p:nvPicPr>
-          <p:cNvPr id="6" name="그림 5"/>
-          <p:cNvPicPr>
-            <a:picLocks noChangeAspect="1"/>
-          </p:cNvPicPr>
-          <p:nvPr/>
-        </p:nvPicPr>
-        <p:blipFill rotWithShape="1">
-          <a:blip r:embed="rId2"/>
-          <a:srcRect r="2899"/>
-          <a:stretch/>
-        </p:blipFill>
-        <p:spPr>
-          <a:xfrm>
-            <a:off x="107504" y="2996952"/>
-            <a:ext cx="4824536" cy="3177827"/>
-          </a:xfrm>
-          <a:prstGeom prst="rect">
-            <a:avLst/>
-          </a:prstGeom>
-        </p:spPr>
-      </p:pic>
-      <p:pic>
-        <p:nvPicPr>
-          <p:cNvPr id="10" name="그림 9"/>
+          <p:cNvPr id="5" name="그림 4"/>
           <p:cNvPicPr>
             <a:picLocks noChangeAspect="1"/>
           </p:cNvPicPr>
           <p:nvPr/>
         </p:nvPicPr>
         <p:blipFill>
-          <a:blip r:embed="rId3"/>
+          <a:blip r:embed="rId2"/>
           <a:stretch>
             <a:fillRect/>
           </a:stretch>
         </p:blipFill>
         <p:spPr>
           <a:xfrm>
-            <a:off x="5148064" y="3242653"/>
-            <a:ext cx="2057687" cy="1343212"/>
+            <a:off x="1907704" y="2924944"/>
+            <a:ext cx="4072788" cy="3024852"/>
           </a:xfrm>
           <a:prstGeom prst="rect">
             <a:avLst/>
           </a:prstGeom>
-          <a:ln>
-            <a:solidFill>
-              <a:schemeClr val="tx1"/>
-            </a:solidFill>
-          </a:ln>
         </p:spPr>
       </p:pic>
-      <p:pic>
-        <p:nvPicPr>
-          <p:cNvPr id="11" name="그림 10"/>
-          <p:cNvPicPr>
-            <a:picLocks noChangeAspect="1"/>
-          </p:cNvPicPr>
+      <p:sp>
+        <p:nvSpPr>
+          <p:cNvPr id="9" name="직사각형 8">
+            <a:extLst>
+              <a:ext uri="{FF2B5EF4-FFF2-40B4-BE49-F238E27FC236}">
+                <a16:creationId xmlns:a16="http://schemas.microsoft.com/office/drawing/2014/main" id="{D894240E-A948-42D6-A60F-4FEFB1977B17}"/>
+              </a:ext>
+            </a:extLst>
+          </p:cNvPr>
+          <p:cNvSpPr/>
           <p:nvPr/>
-        </p:nvPicPr>
-        <p:blipFill>
-          <a:blip r:embed="rId4"/>
-          <a:stretch>
-            <a:fillRect/>
-          </a:stretch>
-        </p:blipFill>
-        <p:spPr>
-          <a:xfrm>
-            <a:off x="5148064" y="5279304"/>
-            <a:ext cx="2314898" cy="895475"/>
-          </a:xfrm>
-          <a:prstGeom prst="rect">
-            <a:avLst/>
-          </a:prstGeom>
-          <a:ln>
-            <a:solidFill>
-              <a:schemeClr val="tx1"/>
-            </a:solidFill>
-          </a:ln>
-        </p:spPr>
-      </p:pic>
-      <p:sp>
-        <p:nvSpPr>
-          <p:cNvPr id="12" name="TextBox 11"/>
-          <p:cNvSpPr txBox="1"/>
-          <p:nvPr/>
-        </p:nvSpPr>
-        <p:spPr>
-          <a:xfrm>
-            <a:off x="5148064" y="2873321"/>
-            <a:ext cx="1919180" cy="369332"/>
+        </p:nvSpPr>
+        <p:spPr>
+          <a:xfrm>
+            <a:off x="5592662" y="3861048"/>
+            <a:ext cx="267862" cy="144016"/>
           </a:xfrm>
           <a:prstGeom prst="rect">
             <a:avLst/>
           </a:prstGeom>
           <a:noFill/>
-        </p:spPr>
-        <p:txBody>
-          <a:bodyPr wrap="none" rtlCol="0">
-            <a:spAutoFit/>
-          </a:bodyPr>
-          <a:lstStyle/>
-          <a:p>
-            <a:r>
-              <a:rPr lang="en-US" altLang="ko-KR" dirty="0" err="1" smtClean="0"/>
-              <a:t>BootStrap</a:t>
-            </a:r>
-            <a:r>
-              <a:rPr lang="en-US" altLang="ko-KR" dirty="0" smtClean="0"/>
-              <a:t> </a:t>
-            </a:r>
-            <a:r>
-              <a:rPr lang="ko-KR" altLang="en-US" dirty="0" err="1" smtClean="0"/>
-              <a:t>적용전</a:t>
-            </a:r>
-            <a:endParaRPr lang="ko-KR" altLang="en-US" dirty="0"/>
-          </a:p>
-        </p:txBody>
-      </p:sp>
-      <p:sp>
-        <p:nvSpPr>
-          <p:cNvPr id="13" name="TextBox 12"/>
-          <p:cNvSpPr txBox="1"/>
-          <p:nvPr/>
-        </p:nvSpPr>
-        <p:spPr>
-          <a:xfrm>
-            <a:off x="5148064" y="4909972"/>
-            <a:ext cx="1866280" cy="369332"/>
-          </a:xfrm>
-          <a:prstGeom prst="rect">
-            <a:avLst/>
-          </a:prstGeom>
-          <a:noFill/>
-        </p:spPr>
-        <p:txBody>
-          <a:bodyPr wrap="none" rtlCol="0">
-            <a:spAutoFit/>
-          </a:bodyPr>
-          <a:lstStyle/>
-          <a:p>
-            <a:r>
-              <a:rPr lang="en-US" altLang="ko-KR" dirty="0" err="1" smtClean="0"/>
-              <a:t>BootStrap</a:t>
-            </a:r>
-            <a:r>
-              <a:rPr lang="en-US" altLang="ko-KR" dirty="0" smtClean="0"/>
-              <a:t> </a:t>
-            </a:r>
-            <a:r>
-              <a:rPr lang="ko-KR" altLang="en-US" dirty="0" err="1" smtClean="0"/>
-              <a:t>적용후</a:t>
-            </a:r>
-            <a:endParaRPr lang="ko-KR" altLang="en-US" dirty="0"/>
+          <a:ln w="28575">
+            <a:solidFill>
+              <a:srgbClr val="EC0C15"/>
+            </a:solidFill>
+            <a:miter lim="800000"/>
+          </a:ln>
+        </p:spPr>
+        <p:style>
+          <a:lnRef idx="2">
+            <a:schemeClr val="accent1">
+              <a:shade val="50000"/>
+            </a:schemeClr>
+          </a:lnRef>
+          <a:fillRef idx="1">
+            <a:schemeClr val="accent1"/>
+          </a:fillRef>
+          <a:effectRef idx="0">
+            <a:schemeClr val="accent1"/>
+          </a:effectRef>
+          <a:fontRef idx="minor">
+            <a:schemeClr val="lt1"/>
+          </a:fontRef>
+        </p:style>
+        <p:txBody>
+          <a:bodyPr rtlCol="0" anchor="ctr"/>
+          <a:lstStyle/>
+          <a:p>
+            <a:pPr algn="ctr"/>
+            <a:endParaRPr lang="ko-KR" altLang="en-US"/>
           </a:p>
         </p:txBody>
       </p:sp>
     </p:spTree>
     <p:extLst>
       <p:ext uri="{BB962C8B-B14F-4D97-AF65-F5344CB8AC3E}">
-        <p14:creationId xmlns:p14="http://schemas.microsoft.com/office/powerpoint/2010/main" val="2617580307"/>
+        <p14:creationId xmlns:p14="http://schemas.microsoft.com/office/powerpoint/2010/main" val="1193548034"/>
       </p:ext>
     </p:extLst>
   </p:cSld>
@@ -8408,114 +8638,55 @@
           <a:p>
             <a:pPr lvl="1"/>
             <a:r>
-              <a:rPr lang="en-US" altLang="ko-KR" sz="1800" dirty="0" smtClean="0"/>
-              <a:t>Documentation</a:t>
-            </a:r>
-            <a:r>
-              <a:rPr lang="ko-KR" altLang="en-US" sz="1800" dirty="0" smtClean="0"/>
-              <a:t>이나 인터넷 검색을 통하여 원하는 스타일을</a:t>
-            </a:r>
-            <a:endParaRPr lang="en-US" altLang="ko-KR" sz="1800" dirty="0" smtClean="0"/>
-          </a:p>
-          <a:p>
-            <a:pPr marL="411480" lvl="1" indent="0">
-              <a:buNone/>
-            </a:pPr>
-            <a:r>
-              <a:rPr lang="ko-KR" altLang="en-US" sz="1800" dirty="0" smtClean="0"/>
-              <a:t>찾아서 적용</a:t>
-            </a:r>
-            <a:endParaRPr lang="en-US" altLang="ko-KR" sz="1800" dirty="0" smtClean="0"/>
-          </a:p>
-          <a:p>
-            <a:pPr marL="411480" lvl="1" indent="0">
-              <a:buNone/>
-            </a:pPr>
-            <a:r>
-              <a:rPr lang="en-US" altLang="ko-KR" sz="1800" dirty="0"/>
-              <a:t>	</a:t>
-            </a:r>
-            <a:r>
-              <a:rPr lang="ko-KR" altLang="en-US" sz="1800" dirty="0" smtClean="0"/>
-              <a:t>예시</a:t>
-            </a:r>
-            <a:r>
-              <a:rPr lang="en-US" altLang="ko-KR" sz="1800" dirty="0" smtClean="0"/>
-              <a:t>) </a:t>
-            </a:r>
-            <a:r>
-              <a:rPr lang="ko-KR" altLang="en-US" sz="1800" dirty="0" err="1" smtClean="0"/>
-              <a:t>글자색</a:t>
-            </a:r>
-            <a:r>
-              <a:rPr lang="ko-KR" altLang="en-US" sz="1800" dirty="0" smtClean="0"/>
-              <a:t> 적용하기 위하여 </a:t>
-            </a:r>
-            <a:r>
-              <a:rPr lang="en-US" altLang="ko-KR" sz="1800" dirty="0" smtClean="0"/>
-              <a:t>Documentation</a:t>
-            </a:r>
-            <a:r>
-              <a:rPr lang="ko-KR" altLang="en-US" sz="1800" dirty="0" smtClean="0"/>
-              <a:t>에서 </a:t>
-            </a:r>
-            <a:r>
-              <a:rPr lang="en-US" altLang="ko-KR" sz="1800" dirty="0" smtClean="0"/>
-              <a:t>color </a:t>
-            </a:r>
-          </a:p>
-          <a:p>
-            <a:pPr marL="411480" lvl="1" indent="0">
-              <a:buNone/>
-            </a:pPr>
-            <a:r>
-              <a:rPr lang="ko-KR" altLang="en-US" sz="1800" dirty="0" smtClean="0"/>
-              <a:t>검색 후 </a:t>
-            </a:r>
-            <a:r>
-              <a:rPr lang="en-US" altLang="ko-KR" sz="1800" dirty="0" smtClean="0"/>
-              <a:t>.text-primary </a:t>
-            </a:r>
-            <a:r>
-              <a:rPr lang="ko-KR" altLang="en-US" sz="1800" dirty="0" smtClean="0"/>
-              <a:t>적용</a:t>
-            </a:r>
-            <a:endParaRPr lang="en-US" altLang="ko-KR" sz="1800" dirty="0"/>
+              <a:rPr lang="ko-KR" altLang="en-US" sz="2200" dirty="0" smtClean="0"/>
+              <a:t>복사해서 </a:t>
+            </a:r>
+            <a:r>
+              <a:rPr lang="en-US" altLang="ko-KR" sz="2200" dirty="0" smtClean="0"/>
+              <a:t>html </a:t>
+            </a:r>
+            <a:r>
+              <a:rPr lang="ko-KR" altLang="en-US" sz="2200" dirty="0" smtClean="0"/>
+              <a:t>파일에 </a:t>
+            </a:r>
+            <a:r>
+              <a:rPr lang="ko-KR" altLang="en-US" sz="2200" dirty="0" err="1" smtClean="0"/>
+              <a:t>붙여넣고</a:t>
+            </a:r>
+            <a:r>
+              <a:rPr lang="ko-KR" altLang="en-US" sz="2200" dirty="0" smtClean="0"/>
+              <a:t> 테스트하기</a:t>
+            </a:r>
+            <a:endParaRPr lang="en-US" altLang="ko-KR" sz="2200" dirty="0"/>
           </a:p>
         </p:txBody>
       </p:sp>
       <p:pic>
         <p:nvPicPr>
-          <p:cNvPr id="4" name="그림 3"/>
+          <p:cNvPr id="6" name="그림 5"/>
           <p:cNvPicPr>
             <a:picLocks noChangeAspect="1"/>
           </p:cNvPicPr>
           <p:nvPr/>
         </p:nvPicPr>
-        <p:blipFill>
+        <p:blipFill rotWithShape="1">
           <a:blip r:embed="rId2"/>
-          <a:stretch>
-            <a:fillRect/>
-          </a:stretch>
+          <a:srcRect r="2899"/>
+          <a:stretch/>
         </p:blipFill>
         <p:spPr>
           <a:xfrm>
-            <a:off x="1850737" y="3421595"/>
-            <a:ext cx="2381582" cy="2800741"/>
+            <a:off x="107504" y="2996952"/>
+            <a:ext cx="4824536" cy="3177827"/>
           </a:xfrm>
           <a:prstGeom prst="rect">
             <a:avLst/>
           </a:prstGeom>
-          <a:ln>
-            <a:solidFill>
-              <a:schemeClr val="tx1"/>
-            </a:solidFill>
-          </a:ln>
         </p:spPr>
       </p:pic>
       <p:pic>
         <p:nvPicPr>
-          <p:cNvPr id="5" name="그림 4"/>
+          <p:cNvPr id="10" name="그림 9"/>
           <p:cNvPicPr>
             <a:picLocks noChangeAspect="1"/>
           </p:cNvPicPr>
@@ -8529,8 +8700,8 @@
         </p:blipFill>
         <p:spPr>
           <a:xfrm>
-            <a:off x="4346232" y="3421595"/>
-            <a:ext cx="1590897" cy="1171739"/>
+            <a:off x="5148064" y="3242653"/>
+            <a:ext cx="2057687" cy="1343212"/>
           </a:xfrm>
           <a:prstGeom prst="rect">
             <a:avLst/>
@@ -8544,7 +8715,7 @@
       </p:pic>
       <p:pic>
         <p:nvPicPr>
-          <p:cNvPr id="7" name="그림 6"/>
+          <p:cNvPr id="11" name="그림 10"/>
           <p:cNvPicPr>
             <a:picLocks noChangeAspect="1"/>
           </p:cNvPicPr>
@@ -8558,8 +8729,8 @@
         </p:blipFill>
         <p:spPr>
           <a:xfrm>
-            <a:off x="4355976" y="4775896"/>
-            <a:ext cx="3305636" cy="190527"/>
+            <a:off x="5148064" y="5279304"/>
+            <a:ext cx="2314898" cy="895475"/>
           </a:xfrm>
           <a:prstGeom prst="rect">
             <a:avLst/>
@@ -8571,257 +8742,99 @@
           </a:ln>
         </p:spPr>
       </p:pic>
-      <p:pic>
-        <p:nvPicPr>
-          <p:cNvPr id="8" name="그림 7"/>
-          <p:cNvPicPr>
-            <a:picLocks noChangeAspect="1"/>
-          </p:cNvPicPr>
+      <p:sp>
+        <p:nvSpPr>
+          <p:cNvPr id="12" name="TextBox 11"/>
+          <p:cNvSpPr txBox="1"/>
           <p:nvPr/>
-        </p:nvPicPr>
-        <p:blipFill>
-          <a:blip r:embed="rId5"/>
-          <a:stretch>
-            <a:fillRect/>
-          </a:stretch>
-        </p:blipFill>
-        <p:spPr>
-          <a:xfrm>
-            <a:off x="4355976" y="5085184"/>
-            <a:ext cx="2267266" cy="562053"/>
-          </a:xfrm>
-          <a:prstGeom prst="rect">
-            <a:avLst/>
-          </a:prstGeom>
-          <a:ln>
-            <a:solidFill>
-              <a:schemeClr val="tx1"/>
-            </a:solidFill>
-          </a:ln>
-        </p:spPr>
-      </p:pic>
-      <p:sp>
-        <p:nvSpPr>
-          <p:cNvPr id="14" name="직사각형 13">
-            <a:extLst>
-              <a:ext uri="{FF2B5EF4-FFF2-40B4-BE49-F238E27FC236}">
-                <a16:creationId xmlns:a16="http://schemas.microsoft.com/office/drawing/2014/main" id="{D894240E-A948-42D6-A60F-4FEFB1977B17}"/>
-              </a:ext>
-            </a:extLst>
-          </p:cNvPr>
-          <p:cNvSpPr/>
-          <p:nvPr/>
-        </p:nvSpPr>
-        <p:spPr>
-          <a:xfrm>
-            <a:off x="3061704" y="3694172"/>
-            <a:ext cx="1093488" cy="216024"/>
+        </p:nvSpPr>
+        <p:spPr>
+          <a:xfrm>
+            <a:off x="5148064" y="2873321"/>
+            <a:ext cx="1919180" cy="369332"/>
           </a:xfrm>
           <a:prstGeom prst="rect">
             <a:avLst/>
           </a:prstGeom>
           <a:noFill/>
-          <a:ln w="28575">
-            <a:solidFill>
-              <a:srgbClr val="EC0C15"/>
-            </a:solidFill>
-            <a:miter lim="800000"/>
-          </a:ln>
-        </p:spPr>
-        <p:style>
-          <a:lnRef idx="2">
-            <a:schemeClr val="accent1">
-              <a:shade val="50000"/>
-            </a:schemeClr>
-          </a:lnRef>
-          <a:fillRef idx="1">
-            <a:schemeClr val="accent1"/>
-          </a:fillRef>
-          <a:effectRef idx="0">
-            <a:schemeClr val="accent1"/>
-          </a:effectRef>
-          <a:fontRef idx="minor">
-            <a:schemeClr val="lt1"/>
-          </a:fontRef>
-        </p:style>
-        <p:txBody>
-          <a:bodyPr rtlCol="0" anchor="ctr"/>
-          <a:lstStyle/>
-          <a:p>
-            <a:pPr algn="ctr"/>
-            <a:endParaRPr lang="ko-KR" altLang="en-US"/>
-          </a:p>
-        </p:txBody>
-      </p:sp>
-      <p:sp>
-        <p:nvSpPr>
-          <p:cNvPr id="15" name="직사각형 14">
-            <a:extLst>
-              <a:ext uri="{FF2B5EF4-FFF2-40B4-BE49-F238E27FC236}">
-                <a16:creationId xmlns:a16="http://schemas.microsoft.com/office/drawing/2014/main" id="{D894240E-A948-42D6-A60F-4FEFB1977B17}"/>
-              </a:ext>
-            </a:extLst>
-          </p:cNvPr>
-          <p:cNvSpPr/>
+        </p:spPr>
+        <p:txBody>
+          <a:bodyPr wrap="none" rtlCol="0">
+            <a:spAutoFit/>
+          </a:bodyPr>
+          <a:lstStyle/>
+          <a:p>
+            <a:r>
+              <a:rPr lang="en-US" altLang="ko-KR" dirty="0" err="1" smtClean="0"/>
+              <a:t>BootStrap</a:t>
+            </a:r>
+            <a:r>
+              <a:rPr lang="en-US" altLang="ko-KR" dirty="0" smtClean="0"/>
+              <a:t> </a:t>
+            </a:r>
+            <a:r>
+              <a:rPr lang="ko-KR" altLang="en-US" dirty="0" err="1" smtClean="0"/>
+              <a:t>적용전</a:t>
+            </a:r>
+            <a:endParaRPr lang="ko-KR" altLang="en-US" dirty="0"/>
+          </a:p>
+        </p:txBody>
+      </p:sp>
+      <p:sp>
+        <p:nvSpPr>
+          <p:cNvPr id="13" name="TextBox 12"/>
+          <p:cNvSpPr txBox="1"/>
           <p:nvPr/>
         </p:nvSpPr>
         <p:spPr>
           <a:xfrm>
-            <a:off x="1985877" y="4252838"/>
-            <a:ext cx="2138200" cy="340496"/>
+            <a:off x="5148064" y="4909972"/>
+            <a:ext cx="1866280" cy="369332"/>
           </a:xfrm>
           <a:prstGeom prst="rect">
             <a:avLst/>
           </a:prstGeom>
           <a:noFill/>
-          <a:ln w="28575">
-            <a:solidFill>
-              <a:srgbClr val="EC0C15"/>
-            </a:solidFill>
-            <a:miter lim="800000"/>
-          </a:ln>
-        </p:spPr>
-        <p:style>
-          <a:lnRef idx="2">
-            <a:schemeClr val="accent1">
-              <a:shade val="50000"/>
-            </a:schemeClr>
-          </a:lnRef>
-          <a:fillRef idx="1">
-            <a:schemeClr val="accent1"/>
-          </a:fillRef>
-          <a:effectRef idx="0">
-            <a:schemeClr val="accent1"/>
-          </a:effectRef>
-          <a:fontRef idx="minor">
-            <a:schemeClr val="lt1"/>
-          </a:fontRef>
-        </p:style>
-        <p:txBody>
-          <a:bodyPr rtlCol="0" anchor="ctr"/>
-          <a:lstStyle/>
-          <a:p>
-            <a:pPr algn="ctr"/>
-            <a:endParaRPr lang="ko-KR" altLang="en-US"/>
-          </a:p>
-        </p:txBody>
-      </p:sp>
-      <p:sp>
-        <p:nvSpPr>
-          <p:cNvPr id="16" name="직사각형 15">
-            <a:extLst>
-              <a:ext uri="{FF2B5EF4-FFF2-40B4-BE49-F238E27FC236}">
-                <a16:creationId xmlns:a16="http://schemas.microsoft.com/office/drawing/2014/main" id="{D894240E-A948-42D6-A60F-4FEFB1977B17}"/>
-              </a:ext>
-            </a:extLst>
-          </p:cNvPr>
-          <p:cNvSpPr/>
-          <p:nvPr/>
-        </p:nvSpPr>
-        <p:spPr>
-          <a:xfrm>
-            <a:off x="4716016" y="4252838"/>
-            <a:ext cx="1008112" cy="256282"/>
-          </a:xfrm>
-          <a:prstGeom prst="rect">
-            <a:avLst/>
-          </a:prstGeom>
-          <a:noFill/>
-          <a:ln w="28575">
-            <a:solidFill>
-              <a:srgbClr val="EC0C15"/>
-            </a:solidFill>
-            <a:miter lim="800000"/>
-          </a:ln>
-        </p:spPr>
-        <p:style>
-          <a:lnRef idx="2">
-            <a:schemeClr val="accent1">
-              <a:shade val="50000"/>
-            </a:schemeClr>
-          </a:lnRef>
-          <a:fillRef idx="1">
-            <a:schemeClr val="accent1"/>
-          </a:fillRef>
-          <a:effectRef idx="0">
-            <a:schemeClr val="accent1"/>
-          </a:effectRef>
-          <a:fontRef idx="minor">
-            <a:schemeClr val="lt1"/>
-          </a:fontRef>
-        </p:style>
-        <p:txBody>
-          <a:bodyPr rtlCol="0" anchor="ctr"/>
-          <a:lstStyle/>
-          <a:p>
-            <a:pPr algn="ctr"/>
-            <a:endParaRPr lang="ko-KR" altLang="en-US"/>
-          </a:p>
-        </p:txBody>
-      </p:sp>
-      <p:sp>
-        <p:nvSpPr>
-          <p:cNvPr id="17" name="직사각형 16">
-            <a:extLst>
-              <a:ext uri="{FF2B5EF4-FFF2-40B4-BE49-F238E27FC236}">
-                <a16:creationId xmlns:a16="http://schemas.microsoft.com/office/drawing/2014/main" id="{D894240E-A948-42D6-A60F-4FEFB1977B17}"/>
-              </a:ext>
-            </a:extLst>
-          </p:cNvPr>
-          <p:cNvSpPr/>
-          <p:nvPr/>
-        </p:nvSpPr>
-        <p:spPr>
-          <a:xfrm>
-            <a:off x="4650496" y="4713833"/>
-            <a:ext cx="1577688" cy="256282"/>
-          </a:xfrm>
-          <a:prstGeom prst="rect">
-            <a:avLst/>
-          </a:prstGeom>
-          <a:noFill/>
-          <a:ln w="28575">
-            <a:solidFill>
-              <a:srgbClr val="EC0C15"/>
-            </a:solidFill>
-            <a:miter lim="800000"/>
-          </a:ln>
-        </p:spPr>
-        <p:style>
-          <a:lnRef idx="2">
-            <a:schemeClr val="accent1">
-              <a:shade val="50000"/>
-            </a:schemeClr>
-          </a:lnRef>
-          <a:fillRef idx="1">
-            <a:schemeClr val="accent1"/>
-          </a:fillRef>
-          <a:effectRef idx="0">
-            <a:schemeClr val="accent1"/>
-          </a:effectRef>
-          <a:fontRef idx="minor">
-            <a:schemeClr val="lt1"/>
-          </a:fontRef>
-        </p:style>
-        <p:txBody>
-          <a:bodyPr rtlCol="0" anchor="ctr"/>
-          <a:lstStyle/>
-          <a:p>
-            <a:pPr algn="ctr"/>
-            <a:endParaRPr lang="ko-KR" altLang="en-US"/>
+        </p:spPr>
+        <p:txBody>
+          <a:bodyPr wrap="none" rtlCol="0">
+            <a:spAutoFit/>
+          </a:bodyPr>
+          <a:lstStyle/>
+          <a:p>
+            <a:r>
+              <a:rPr lang="en-US" altLang="ko-KR" dirty="0" err="1" smtClean="0"/>
+              <a:t>BootStrap</a:t>
+            </a:r>
+            <a:r>
+              <a:rPr lang="en-US" altLang="ko-KR" dirty="0" smtClean="0"/>
+              <a:t> </a:t>
+            </a:r>
+            <a:r>
+              <a:rPr lang="ko-KR" altLang="en-US" dirty="0" err="1" smtClean="0"/>
+              <a:t>적용후</a:t>
+            </a:r>
+            <a:endParaRPr lang="ko-KR" altLang="en-US" dirty="0"/>
           </a:p>
         </p:txBody>
       </p:sp>
     </p:spTree>
     <p:extLst>
       <p:ext uri="{BB962C8B-B14F-4D97-AF65-F5344CB8AC3E}">
-        <p14:creationId xmlns:p14="http://schemas.microsoft.com/office/powerpoint/2010/main" val="2353471167"/>
+        <p14:creationId xmlns:p14="http://schemas.microsoft.com/office/powerpoint/2010/main" val="2617580307"/>
       </p:ext>
     </p:extLst>
   </p:cSld>
   <p:clrMapOvr>
     <a:masterClrMapping/>
   </p:clrMapOvr>
+  <p:timing>
+    <p:tnLst>
+      <p:par>
+        <p:cTn id="1" dur="indefinite" restart="never" nodeType="tmRoot"/>
+      </p:par>
+    </p:tnLst>
+  </p:timing>
 </p:sld>
 </file>
 
@@ -8919,42 +8932,100 @@
           <a:lstStyle/>
           <a:p>
             <a:r>
+              <a:rPr lang="en-US" altLang="ko-KR" sz="2400" dirty="0" err="1" smtClean="0"/>
+              <a:t>BootStrap</a:t>
+            </a:r>
+            <a:r>
               <a:rPr lang="en-US" altLang="ko-KR" sz="2400" dirty="0" smtClean="0"/>
-              <a:t>Container</a:t>
+              <a:t> </a:t>
+            </a:r>
+            <a:r>
+              <a:rPr lang="ko-KR" altLang="en-US" sz="2400" dirty="0" smtClean="0"/>
+              <a:t>적용하기</a:t>
             </a:r>
           </a:p>
           <a:p>
             <a:pPr lvl="1"/>
             <a:r>
-              <a:rPr lang="en-US" altLang="ko-KR" sz="2200" dirty="0" err="1" smtClean="0"/>
-              <a:t>BootStrap</a:t>
-            </a:r>
-            <a:r>
-              <a:rPr lang="ko-KR" altLang="en-US" sz="2200" dirty="0" smtClean="0"/>
-              <a:t>의 가장 기초적인 레이아웃</a:t>
-            </a:r>
-            <a:endParaRPr lang="en-US" altLang="ko-KR" sz="2200" dirty="0" smtClean="0"/>
-          </a:p>
-          <a:p>
-            <a:pPr lvl="1"/>
-            <a:r>
-              <a:rPr lang="ko-KR" altLang="en-US" sz="2200" dirty="0" smtClean="0"/>
-              <a:t>중앙정렬하는 </a:t>
-            </a:r>
-            <a:r>
-              <a:rPr lang="en-US" altLang="ko-KR" sz="2200" dirty="0" err="1" smtClean="0"/>
-              <a:t>css</a:t>
-            </a:r>
-            <a:r>
-              <a:rPr lang="ko-KR" altLang="en-US" sz="2200" dirty="0" smtClean="0"/>
-              <a:t>가 적용되어 있음</a:t>
-            </a:r>
+              <a:rPr lang="en-US" altLang="ko-KR" sz="1800" dirty="0" smtClean="0"/>
+              <a:t>Documentation</a:t>
+            </a:r>
+            <a:r>
+              <a:rPr lang="ko-KR" altLang="en-US" sz="1800" dirty="0" smtClean="0"/>
+              <a:t>이나 인터넷 검색을 통하여 원하는 스타일을</a:t>
+            </a:r>
+            <a:endParaRPr lang="en-US" altLang="ko-KR" sz="1800" dirty="0" smtClean="0"/>
+          </a:p>
+          <a:p>
+            <a:pPr marL="411480" lvl="1" indent="0">
+              <a:buNone/>
+            </a:pPr>
+            <a:r>
+              <a:rPr lang="ko-KR" altLang="en-US" sz="1800" dirty="0" smtClean="0"/>
+              <a:t>찾아서 적용</a:t>
+            </a:r>
+            <a:endParaRPr lang="en-US" altLang="ko-KR" sz="1800" dirty="0" smtClean="0"/>
+          </a:p>
+          <a:p>
+            <a:pPr marL="411480" lvl="1" indent="0">
+              <a:buNone/>
+            </a:pPr>
+            <a:r>
+              <a:rPr lang="en-US" altLang="ko-KR" sz="1800" dirty="0"/>
+              <a:t>	</a:t>
+            </a:r>
+            <a:r>
+              <a:rPr lang="ko-KR" altLang="en-US" sz="1800" dirty="0" smtClean="0"/>
+              <a:t>예시</a:t>
+            </a:r>
+            <a:r>
+              <a:rPr lang="en-US" altLang="ko-KR" sz="1800" dirty="0" smtClean="0"/>
+              <a:t>) </a:t>
+            </a:r>
+            <a:r>
+              <a:rPr lang="ko-KR" altLang="en-US" sz="1800" dirty="0" err="1" smtClean="0"/>
+              <a:t>글자색</a:t>
+            </a:r>
+            <a:r>
+              <a:rPr lang="ko-KR" altLang="en-US" sz="1800" dirty="0" smtClean="0"/>
+              <a:t> 적용하기 위하여 </a:t>
+            </a:r>
+            <a:r>
+              <a:rPr lang="en-US" altLang="ko-KR" sz="1800" dirty="0" smtClean="0"/>
+              <a:t>Documentation</a:t>
+            </a:r>
+            <a:r>
+              <a:rPr lang="ko-KR" altLang="en-US" sz="1800" dirty="0" smtClean="0"/>
+              <a:t>에서 </a:t>
+            </a:r>
+            <a:r>
+              <a:rPr lang="en-US" altLang="ko-KR" sz="1800" dirty="0" smtClean="0"/>
+              <a:t>color </a:t>
+            </a:r>
+          </a:p>
+          <a:p>
+            <a:pPr marL="411480" lvl="1" indent="0">
+              <a:buNone/>
+            </a:pPr>
+            <a:r>
+              <a:rPr lang="ko-KR" altLang="en-US" sz="1800" dirty="0" smtClean="0"/>
+              <a:t>검색 후 </a:t>
+            </a:r>
+            <a:r>
+              <a:rPr lang="en-US" altLang="ko-KR" sz="1800" dirty="0" smtClean="0"/>
+              <a:t>.text-primary </a:t>
+            </a:r>
+            <a:r>
+              <a:rPr lang="ko-KR" altLang="en-US" sz="1800" dirty="0" smtClean="0"/>
+              <a:t>적용</a:t>
+            </a:r>
+            <a:endParaRPr lang="en-US" altLang="ko-KR" sz="1800" dirty="0"/>
           </a:p>
         </p:txBody>
       </p:sp>
       <p:pic>
         <p:nvPicPr>
-          <p:cNvPr id="6" name="그림 5"/>
+          <p:cNvPr id="4" name="그림 3"/>
           <p:cNvPicPr>
             <a:picLocks noChangeAspect="1"/>
           </p:cNvPicPr>
@@ -8968,8 +9039,8 @@
         </p:blipFill>
         <p:spPr>
           <a:xfrm>
-            <a:off x="446936" y="5301208"/>
-            <a:ext cx="7704856" cy="514461"/>
+            <a:off x="1850737" y="3421595"/>
+            <a:ext cx="2381582" cy="2800741"/>
           </a:xfrm>
           <a:prstGeom prst="rect">
             <a:avLst/>
@@ -8983,7 +9054,7 @@
       </p:pic>
       <p:pic>
         <p:nvPicPr>
-          <p:cNvPr id="9" name="그림 8"/>
+          <p:cNvPr id="5" name="그림 4"/>
           <p:cNvPicPr>
             <a:picLocks noChangeAspect="1"/>
           </p:cNvPicPr>
@@ -8997,8 +9068,8 @@
         </p:blipFill>
         <p:spPr>
           <a:xfrm>
-            <a:off x="446936" y="3252267"/>
-            <a:ext cx="2486372" cy="1305107"/>
+            <a:off x="4346232" y="3421595"/>
+            <a:ext cx="1590897" cy="1171739"/>
           </a:xfrm>
           <a:prstGeom prst="rect">
             <a:avLst/>
@@ -9012,7 +9083,7 @@
       </p:pic>
       <p:pic>
         <p:nvPicPr>
-          <p:cNvPr id="10" name="그림 9"/>
+          <p:cNvPr id="7" name="그림 6"/>
           <p:cNvPicPr>
             <a:picLocks noChangeAspect="1"/>
           </p:cNvPicPr>
@@ -9026,8 +9097,8 @@
         </p:blipFill>
         <p:spPr>
           <a:xfrm>
-            <a:off x="3419872" y="3605157"/>
-            <a:ext cx="3439005" cy="790685"/>
+            <a:off x="4355976" y="4775896"/>
+            <a:ext cx="3305636" cy="190527"/>
           </a:xfrm>
           <a:prstGeom prst="rect">
             <a:avLst/>
@@ -9039,9 +9110,38 @@
           </a:ln>
         </p:spPr>
       </p:pic>
-      <p:sp>
-        <p:nvSpPr>
-          <p:cNvPr id="18" name="직사각형 17">
+      <p:pic>
+        <p:nvPicPr>
+          <p:cNvPr id="8" name="그림 7"/>
+          <p:cNvPicPr>
+            <a:picLocks noChangeAspect="1"/>
+          </p:cNvPicPr>
+          <p:nvPr/>
+        </p:nvPicPr>
+        <p:blipFill>
+          <a:blip r:embed="rId5"/>
+          <a:stretch>
+            <a:fillRect/>
+          </a:stretch>
+        </p:blipFill>
+        <p:spPr>
+          <a:xfrm>
+            <a:off x="4355976" y="5085184"/>
+            <a:ext cx="2267266" cy="562053"/>
+          </a:xfrm>
+          <a:prstGeom prst="rect">
+            <a:avLst/>
+          </a:prstGeom>
+          <a:ln>
+            <a:solidFill>
+              <a:schemeClr val="tx1"/>
+            </a:solidFill>
+          </a:ln>
+        </p:spPr>
+      </p:pic>
+      <p:sp>
+        <p:nvSpPr>
+          <p:cNvPr id="14" name="직사각형 13">
             <a:extLst>
               <a:ext uri="{FF2B5EF4-FFF2-40B4-BE49-F238E27FC236}">
                 <a16:creationId xmlns:a16="http://schemas.microsoft.com/office/drawing/2014/main" id="{D894240E-A948-42D6-A60F-4FEFB1977B17}"/>
@@ -9053,8 +9153,8 @@
         </p:nvSpPr>
         <p:spPr>
           <a:xfrm>
-            <a:off x="3752620" y="3629153"/>
-            <a:ext cx="1323436" cy="216024"/>
+            <a:off x="3061704" y="3694172"/>
+            <a:ext cx="1093488" cy="216024"/>
           </a:xfrm>
           <a:prstGeom prst="rect">
             <a:avLst/>
@@ -9092,16 +9192,182 @@
           </a:p>
         </p:txBody>
       </p:sp>
+      <p:sp>
+        <p:nvSpPr>
+          <p:cNvPr id="15" name="직사각형 14">
+            <a:extLst>
+              <a:ext uri="{FF2B5EF4-FFF2-40B4-BE49-F238E27FC236}">
+                <a16:creationId xmlns:a16="http://schemas.microsoft.com/office/drawing/2014/main" id="{D894240E-A948-42D6-A60F-4FEFB1977B17}"/>
+              </a:ext>
+            </a:extLst>
+          </p:cNvPr>
+          <p:cNvSpPr/>
+          <p:nvPr/>
+        </p:nvSpPr>
+        <p:spPr>
+          <a:xfrm>
+            <a:off x="1985877" y="4252838"/>
+            <a:ext cx="2138200" cy="340496"/>
+          </a:xfrm>
+          <a:prstGeom prst="rect">
+            <a:avLst/>
+          </a:prstGeom>
+          <a:noFill/>
+          <a:ln w="28575">
+            <a:solidFill>
+              <a:srgbClr val="EC0C15"/>
+            </a:solidFill>
+            <a:miter lim="800000"/>
+          </a:ln>
+        </p:spPr>
+        <p:style>
+          <a:lnRef idx="2">
+            <a:schemeClr val="accent1">
+              <a:shade val="50000"/>
+            </a:schemeClr>
+          </a:lnRef>
+          <a:fillRef idx="1">
+            <a:schemeClr val="accent1"/>
+          </a:fillRef>
+          <a:effectRef idx="0">
+            <a:schemeClr val="accent1"/>
+          </a:effectRef>
+          <a:fontRef idx="minor">
+            <a:schemeClr val="lt1"/>
+          </a:fontRef>
+        </p:style>
+        <p:txBody>
+          <a:bodyPr rtlCol="0" anchor="ctr"/>
+          <a:lstStyle/>
+          <a:p>
+            <a:pPr algn="ctr"/>
+            <a:endParaRPr lang="ko-KR" altLang="en-US"/>
+          </a:p>
+        </p:txBody>
+      </p:sp>
+      <p:sp>
+        <p:nvSpPr>
+          <p:cNvPr id="16" name="직사각형 15">
+            <a:extLst>
+              <a:ext uri="{FF2B5EF4-FFF2-40B4-BE49-F238E27FC236}">
+                <a16:creationId xmlns:a16="http://schemas.microsoft.com/office/drawing/2014/main" id="{D894240E-A948-42D6-A60F-4FEFB1977B17}"/>
+              </a:ext>
+            </a:extLst>
+          </p:cNvPr>
+          <p:cNvSpPr/>
+          <p:nvPr/>
+        </p:nvSpPr>
+        <p:spPr>
+          <a:xfrm>
+            <a:off x="4716016" y="4252838"/>
+            <a:ext cx="1008112" cy="256282"/>
+          </a:xfrm>
+          <a:prstGeom prst="rect">
+            <a:avLst/>
+          </a:prstGeom>
+          <a:noFill/>
+          <a:ln w="28575">
+            <a:solidFill>
+              <a:srgbClr val="EC0C15"/>
+            </a:solidFill>
+            <a:miter lim="800000"/>
+          </a:ln>
+        </p:spPr>
+        <p:style>
+          <a:lnRef idx="2">
+            <a:schemeClr val="accent1">
+              <a:shade val="50000"/>
+            </a:schemeClr>
+          </a:lnRef>
+          <a:fillRef idx="1">
+            <a:schemeClr val="accent1"/>
+          </a:fillRef>
+          <a:effectRef idx="0">
+            <a:schemeClr val="accent1"/>
+          </a:effectRef>
+          <a:fontRef idx="minor">
+            <a:schemeClr val="lt1"/>
+          </a:fontRef>
+        </p:style>
+        <p:txBody>
+          <a:bodyPr rtlCol="0" anchor="ctr"/>
+          <a:lstStyle/>
+          <a:p>
+            <a:pPr algn="ctr"/>
+            <a:endParaRPr lang="ko-KR" altLang="en-US"/>
+          </a:p>
+        </p:txBody>
+      </p:sp>
+      <p:sp>
+        <p:nvSpPr>
+          <p:cNvPr id="17" name="직사각형 16">
+            <a:extLst>
+              <a:ext uri="{FF2B5EF4-FFF2-40B4-BE49-F238E27FC236}">
+                <a16:creationId xmlns:a16="http://schemas.microsoft.com/office/drawing/2014/main" id="{D894240E-A948-42D6-A60F-4FEFB1977B17}"/>
+              </a:ext>
+            </a:extLst>
+          </p:cNvPr>
+          <p:cNvSpPr/>
+          <p:nvPr/>
+        </p:nvSpPr>
+        <p:spPr>
+          <a:xfrm>
+            <a:off x="4650496" y="4713833"/>
+            <a:ext cx="1577688" cy="256282"/>
+          </a:xfrm>
+          <a:prstGeom prst="rect">
+            <a:avLst/>
+          </a:prstGeom>
+          <a:noFill/>
+          <a:ln w="28575">
+            <a:solidFill>
+              <a:srgbClr val="EC0C15"/>
+            </a:solidFill>
+            <a:miter lim="800000"/>
+          </a:ln>
+        </p:spPr>
+        <p:style>
+          <a:lnRef idx="2">
+            <a:schemeClr val="accent1">
+              <a:shade val="50000"/>
+            </a:schemeClr>
+          </a:lnRef>
+          <a:fillRef idx="1">
+            <a:schemeClr val="accent1"/>
+          </a:fillRef>
+          <a:effectRef idx="0">
+            <a:schemeClr val="accent1"/>
+          </a:effectRef>
+          <a:fontRef idx="minor">
+            <a:schemeClr val="lt1"/>
+          </a:fontRef>
+        </p:style>
+        <p:txBody>
+          <a:bodyPr rtlCol="0" anchor="ctr"/>
+          <a:lstStyle/>
+          <a:p>
+            <a:pPr algn="ctr"/>
+            <a:endParaRPr lang="ko-KR" altLang="en-US"/>
+          </a:p>
+        </p:txBody>
+      </p:sp>
     </p:spTree>
     <p:extLst>
       <p:ext uri="{BB962C8B-B14F-4D97-AF65-F5344CB8AC3E}">
-        <p14:creationId xmlns:p14="http://schemas.microsoft.com/office/powerpoint/2010/main" val="2667320884"/>
+        <p14:creationId xmlns:p14="http://schemas.microsoft.com/office/powerpoint/2010/main" val="2353471167"/>
       </p:ext>
     </p:extLst>
   </p:cSld>
   <p:clrMapOvr>
     <a:masterClrMapping/>
   </p:clrMapOvr>
+  <p:timing>
+    <p:tnLst>
+      <p:par>
+        <p:cTn id="1" dur="indefinite" restart="never" nodeType="tmRoot"/>
+      </p:par>
+    </p:tnLst>
+  </p:timing>
 </p:sld>
 </file>
 
